--- a/figs/experimental-design-overview.pptx
+++ b/figs/experimental-design-overview.pptx
@@ -5,11 +5,13 @@
     <p:sldMasterId id="2147483659" r:id="rId1"/>
   </p:sldMasterIdLst>
   <p:notesMasterIdLst>
-    <p:notesMasterId r:id="rId4"/>
+    <p:notesMasterId r:id="rId6"/>
   </p:notesMasterIdLst>
   <p:sldIdLst>
     <p:sldId id="275" r:id="rId2"/>
     <p:sldId id="276" r:id="rId3"/>
+    <p:sldId id="277" r:id="rId4"/>
+    <p:sldId id="278" r:id="rId5"/>
   </p:sldIdLst>
   <p:sldSz cx="9144000" cy="5143500" type="screen16x9"/>
   <p:notesSz cx="6858000" cy="9144000"/>
@@ -740,6 +742,214 @@
 </p:notes>
 </file>
 
+<file path=ppt/notesSlides/notesSlide3.xml><?xml version="1.0" encoding="utf-8"?>
+<p:notes xmlns:a="http://schemas.openxmlformats.org/drawingml/2006/main" xmlns:r="http://schemas.openxmlformats.org/officeDocument/2006/relationships" xmlns:p="http://schemas.openxmlformats.org/presentationml/2006/main" showMasterSp="0" showMasterPhAnim="0">
+  <p:cSld>
+    <p:spTree>
+      <p:nvGrpSpPr>
+        <p:cNvPr id="1" name="Shape 246"/>
+        <p:cNvGrpSpPr/>
+        <p:nvPr/>
+      </p:nvGrpSpPr>
+      <p:grpSpPr>
+        <a:xfrm>
+          <a:off x="0" y="0"/>
+          <a:ext cx="0" cy="0"/>
+          <a:chOff x="0" y="0"/>
+          <a:chExt cx="0" cy="0"/>
+        </a:xfrm>
+      </p:grpSpPr>
+      <p:sp>
+        <p:nvSpPr>
+          <p:cNvPr id="247" name="Shape 247"/>
+          <p:cNvSpPr>
+            <a:spLocks noGrp="1" noRot="1" noChangeAspect="1"/>
+          </p:cNvSpPr>
+          <p:nvPr>
+            <p:ph type="sldImg" idx="2"/>
+          </p:nvPr>
+        </p:nvSpPr>
+        <p:spPr>
+          <a:xfrm>
+            <a:off x="381000" y="685800"/>
+            <a:ext cx="6096000" cy="3429000"/>
+          </a:xfrm>
+          <a:custGeom>
+            <a:avLst/>
+            <a:gdLst/>
+            <a:ahLst/>
+            <a:cxnLst/>
+            <a:rect l="0" t="0" r="0" b="0"/>
+            <a:pathLst>
+              <a:path w="120000" h="120000" extrusionOk="0">
+                <a:moveTo>
+                  <a:pt x="0" y="0"/>
+                </a:moveTo>
+                <a:lnTo>
+                  <a:pt x="120000" y="0"/>
+                </a:lnTo>
+                <a:lnTo>
+                  <a:pt x="120000" y="120000"/>
+                </a:lnTo>
+                <a:lnTo>
+                  <a:pt x="0" y="120000"/>
+                </a:lnTo>
+                <a:close/>
+              </a:path>
+            </a:pathLst>
+          </a:custGeom>
+        </p:spPr>
+      </p:sp>
+      <p:sp>
+        <p:nvSpPr>
+          <p:cNvPr id="248" name="Shape 248"/>
+          <p:cNvSpPr txBox="1">
+            <a:spLocks noGrp="1"/>
+          </p:cNvSpPr>
+          <p:nvPr>
+            <p:ph type="body" idx="1"/>
+          </p:nvPr>
+        </p:nvSpPr>
+        <p:spPr>
+          <a:xfrm>
+            <a:off x="685800" y="4343400"/>
+            <a:ext cx="5486400" cy="4114800"/>
+          </a:xfrm>
+          <a:prstGeom prst="rect">
+            <a:avLst/>
+          </a:prstGeom>
+        </p:spPr>
+        <p:txBody>
+          <a:bodyPr spcFirstLastPara="1" wrap="square" lIns="91425" tIns="91425" rIns="91425" bIns="91425" anchor="t" anchorCtr="0">
+            <a:noAutofit/>
+          </a:bodyPr>
+          <a:lstStyle/>
+          <a:p>
+            <a:pPr marL="0" lvl="0" indent="0">
+              <a:spcBef>
+                <a:spcPts val="0"/>
+              </a:spcBef>
+              <a:spcAft>
+                <a:spcPts val="0"/>
+              </a:spcAft>
+              <a:buNone/>
+            </a:pPr>
+            <a:endParaRPr dirty="0"/>
+          </a:p>
+        </p:txBody>
+      </p:sp>
+    </p:spTree>
+  </p:cSld>
+  <p:clrMapOvr>
+    <a:masterClrMapping/>
+  </p:clrMapOvr>
+</p:notes>
+</file>
+
+<file path=ppt/notesSlides/notesSlide4.xml><?xml version="1.0" encoding="utf-8"?>
+<p:notes xmlns:a="http://schemas.openxmlformats.org/drawingml/2006/main" xmlns:r="http://schemas.openxmlformats.org/officeDocument/2006/relationships" xmlns:p="http://schemas.openxmlformats.org/presentationml/2006/main" showMasterSp="0" showMasterPhAnim="0">
+  <p:cSld>
+    <p:spTree>
+      <p:nvGrpSpPr>
+        <p:cNvPr id="1" name="Shape 246"/>
+        <p:cNvGrpSpPr/>
+        <p:nvPr/>
+      </p:nvGrpSpPr>
+      <p:grpSpPr>
+        <a:xfrm>
+          <a:off x="0" y="0"/>
+          <a:ext cx="0" cy="0"/>
+          <a:chOff x="0" y="0"/>
+          <a:chExt cx="0" cy="0"/>
+        </a:xfrm>
+      </p:grpSpPr>
+      <p:sp>
+        <p:nvSpPr>
+          <p:cNvPr id="247" name="Shape 247"/>
+          <p:cNvSpPr>
+            <a:spLocks noGrp="1" noRot="1" noChangeAspect="1"/>
+          </p:cNvSpPr>
+          <p:nvPr>
+            <p:ph type="sldImg" idx="2"/>
+          </p:nvPr>
+        </p:nvSpPr>
+        <p:spPr>
+          <a:xfrm>
+            <a:off x="381000" y="685800"/>
+            <a:ext cx="6096000" cy="3429000"/>
+          </a:xfrm>
+          <a:custGeom>
+            <a:avLst/>
+            <a:gdLst/>
+            <a:ahLst/>
+            <a:cxnLst/>
+            <a:rect l="0" t="0" r="0" b="0"/>
+            <a:pathLst>
+              <a:path w="120000" h="120000" extrusionOk="0">
+                <a:moveTo>
+                  <a:pt x="0" y="0"/>
+                </a:moveTo>
+                <a:lnTo>
+                  <a:pt x="120000" y="0"/>
+                </a:lnTo>
+                <a:lnTo>
+                  <a:pt x="120000" y="120000"/>
+                </a:lnTo>
+                <a:lnTo>
+                  <a:pt x="0" y="120000"/>
+                </a:lnTo>
+                <a:close/>
+              </a:path>
+            </a:pathLst>
+          </a:custGeom>
+        </p:spPr>
+      </p:sp>
+      <p:sp>
+        <p:nvSpPr>
+          <p:cNvPr id="248" name="Shape 248"/>
+          <p:cNvSpPr txBox="1">
+            <a:spLocks noGrp="1"/>
+          </p:cNvSpPr>
+          <p:nvPr>
+            <p:ph type="body" idx="1"/>
+          </p:nvPr>
+        </p:nvSpPr>
+        <p:spPr>
+          <a:xfrm>
+            <a:off x="685800" y="4343400"/>
+            <a:ext cx="5486400" cy="4114800"/>
+          </a:xfrm>
+          <a:prstGeom prst="rect">
+            <a:avLst/>
+          </a:prstGeom>
+        </p:spPr>
+        <p:txBody>
+          <a:bodyPr spcFirstLastPara="1" wrap="square" lIns="91425" tIns="91425" rIns="91425" bIns="91425" anchor="t" anchorCtr="0">
+            <a:noAutofit/>
+          </a:bodyPr>
+          <a:lstStyle/>
+          <a:p>
+            <a:pPr marL="0" lvl="0" indent="0">
+              <a:spcBef>
+                <a:spcPts val="0"/>
+              </a:spcBef>
+              <a:spcAft>
+                <a:spcPts val="0"/>
+              </a:spcAft>
+              <a:buNone/>
+            </a:pPr>
+            <a:endParaRPr dirty="0"/>
+          </a:p>
+        </p:txBody>
+      </p:sp>
+    </p:spTree>
+  </p:cSld>
+  <p:clrMapOvr>
+    <a:masterClrMapping/>
+  </p:clrMapOvr>
+</p:notes>
+</file>
+
 <file path=ppt/slideLayouts/slideLayout1.xml><?xml version="1.0" encoding="utf-8"?>
 <p:sldLayout xmlns:a="http://schemas.openxmlformats.org/drawingml/2006/main" xmlns:r="http://schemas.openxmlformats.org/officeDocument/2006/relationships" xmlns:p="http://schemas.openxmlformats.org/presentationml/2006/main" type="twoColTx">
   <p:cSld name="Title and two columns">
@@ -2842,6 +3052,332 @@
 </p:sldLayout>
 </file>
 
+<file path=ppt/slideLayouts/slideLayout8.xml><?xml version="1.0" encoding="utf-8"?>
+<p:sldLayout xmlns:a="http://schemas.openxmlformats.org/drawingml/2006/main" xmlns:r="http://schemas.openxmlformats.org/officeDocument/2006/relationships" xmlns:p="http://schemas.openxmlformats.org/presentationml/2006/main" type="tx">
+  <p:cSld name="Title and body">
+    <p:spTree>
+      <p:nvGrpSpPr>
+        <p:cNvPr id="1" name="Shape 16"/>
+        <p:cNvGrpSpPr/>
+        <p:nvPr/>
+      </p:nvGrpSpPr>
+      <p:grpSpPr>
+        <a:xfrm>
+          <a:off x="0" y="0"/>
+          <a:ext cx="0" cy="0"/>
+          <a:chOff x="0" y="0"/>
+          <a:chExt cx="0" cy="0"/>
+        </a:xfrm>
+      </p:grpSpPr>
+      <p:sp>
+        <p:nvSpPr>
+          <p:cNvPr id="17" name="Shape 17"/>
+          <p:cNvSpPr txBox="1">
+            <a:spLocks noGrp="1"/>
+          </p:cNvSpPr>
+          <p:nvPr>
+            <p:ph type="title"/>
+          </p:nvPr>
+        </p:nvSpPr>
+        <p:spPr>
+          <a:xfrm>
+            <a:off x="311700" y="445025"/>
+            <a:ext cx="8520600" cy="572700"/>
+          </a:xfrm>
+          <a:prstGeom prst="rect">
+            <a:avLst/>
+          </a:prstGeom>
+        </p:spPr>
+        <p:txBody>
+          <a:bodyPr spcFirstLastPara="1" wrap="square" lIns="91425" tIns="91425" rIns="91425" bIns="91425" anchor="t" anchorCtr="0"/>
+          <a:lstStyle>
+            <a:lvl1pPr lvl="0">
+              <a:spcBef>
+                <a:spcPts val="0"/>
+              </a:spcBef>
+              <a:spcAft>
+                <a:spcPts val="0"/>
+              </a:spcAft>
+              <a:buSzPts val="2800"/>
+              <a:buNone/>
+              <a:defRPr/>
+            </a:lvl1pPr>
+            <a:lvl2pPr lvl="1">
+              <a:spcBef>
+                <a:spcPts val="0"/>
+              </a:spcBef>
+              <a:spcAft>
+                <a:spcPts val="0"/>
+              </a:spcAft>
+              <a:buSzPts val="2800"/>
+              <a:buNone/>
+              <a:defRPr/>
+            </a:lvl2pPr>
+            <a:lvl3pPr lvl="2">
+              <a:spcBef>
+                <a:spcPts val="0"/>
+              </a:spcBef>
+              <a:spcAft>
+                <a:spcPts val="0"/>
+              </a:spcAft>
+              <a:buSzPts val="2800"/>
+              <a:buNone/>
+              <a:defRPr/>
+            </a:lvl3pPr>
+            <a:lvl4pPr lvl="3">
+              <a:spcBef>
+                <a:spcPts val="0"/>
+              </a:spcBef>
+              <a:spcAft>
+                <a:spcPts val="0"/>
+              </a:spcAft>
+              <a:buSzPts val="2800"/>
+              <a:buNone/>
+              <a:defRPr/>
+            </a:lvl4pPr>
+            <a:lvl5pPr lvl="4">
+              <a:spcBef>
+                <a:spcPts val="0"/>
+              </a:spcBef>
+              <a:spcAft>
+                <a:spcPts val="0"/>
+              </a:spcAft>
+              <a:buSzPts val="2800"/>
+              <a:buNone/>
+              <a:defRPr/>
+            </a:lvl5pPr>
+            <a:lvl6pPr lvl="5">
+              <a:spcBef>
+                <a:spcPts val="0"/>
+              </a:spcBef>
+              <a:spcAft>
+                <a:spcPts val="0"/>
+              </a:spcAft>
+              <a:buSzPts val="2800"/>
+              <a:buNone/>
+              <a:defRPr/>
+            </a:lvl6pPr>
+            <a:lvl7pPr lvl="6">
+              <a:spcBef>
+                <a:spcPts val="0"/>
+              </a:spcBef>
+              <a:spcAft>
+                <a:spcPts val="0"/>
+              </a:spcAft>
+              <a:buSzPts val="2800"/>
+              <a:buNone/>
+              <a:defRPr/>
+            </a:lvl7pPr>
+            <a:lvl8pPr lvl="7">
+              <a:spcBef>
+                <a:spcPts val="0"/>
+              </a:spcBef>
+              <a:spcAft>
+                <a:spcPts val="0"/>
+              </a:spcAft>
+              <a:buSzPts val="2800"/>
+              <a:buNone/>
+              <a:defRPr/>
+            </a:lvl8pPr>
+            <a:lvl9pPr lvl="8">
+              <a:spcBef>
+                <a:spcPts val="0"/>
+              </a:spcBef>
+              <a:spcAft>
+                <a:spcPts val="0"/>
+              </a:spcAft>
+              <a:buSzPts val="2800"/>
+              <a:buNone/>
+              <a:defRPr/>
+            </a:lvl9pPr>
+          </a:lstStyle>
+          <a:p>
+            <a:endParaRPr/>
+          </a:p>
+        </p:txBody>
+      </p:sp>
+      <p:sp>
+        <p:nvSpPr>
+          <p:cNvPr id="18" name="Shape 18"/>
+          <p:cNvSpPr txBox="1">
+            <a:spLocks noGrp="1"/>
+          </p:cNvSpPr>
+          <p:nvPr>
+            <p:ph type="body" idx="1"/>
+          </p:nvPr>
+        </p:nvSpPr>
+        <p:spPr>
+          <a:xfrm>
+            <a:off x="311700" y="1152475"/>
+            <a:ext cx="8520600" cy="3416400"/>
+          </a:xfrm>
+          <a:prstGeom prst="rect">
+            <a:avLst/>
+          </a:prstGeom>
+        </p:spPr>
+        <p:txBody>
+          <a:bodyPr spcFirstLastPara="1" wrap="square" lIns="91425" tIns="91425" rIns="91425" bIns="91425" anchor="t" anchorCtr="0"/>
+          <a:lstStyle>
+            <a:lvl1pPr marL="457200" lvl="0" indent="-342900">
+              <a:spcBef>
+                <a:spcPts val="0"/>
+              </a:spcBef>
+              <a:spcAft>
+                <a:spcPts val="0"/>
+              </a:spcAft>
+              <a:buSzPts val="1800"/>
+              <a:buChar char="●"/>
+              <a:defRPr/>
+            </a:lvl1pPr>
+            <a:lvl2pPr marL="914400" lvl="1" indent="-317500">
+              <a:spcBef>
+                <a:spcPts val="1600"/>
+              </a:spcBef>
+              <a:spcAft>
+                <a:spcPts val="0"/>
+              </a:spcAft>
+              <a:buSzPts val="1400"/>
+              <a:buChar char="○"/>
+              <a:defRPr/>
+            </a:lvl2pPr>
+            <a:lvl3pPr marL="1371600" lvl="2" indent="-317500">
+              <a:spcBef>
+                <a:spcPts val="1600"/>
+              </a:spcBef>
+              <a:spcAft>
+                <a:spcPts val="0"/>
+              </a:spcAft>
+              <a:buSzPts val="1400"/>
+              <a:buChar char="■"/>
+              <a:defRPr/>
+            </a:lvl3pPr>
+            <a:lvl4pPr marL="1828800" lvl="3" indent="-317500">
+              <a:spcBef>
+                <a:spcPts val="1600"/>
+              </a:spcBef>
+              <a:spcAft>
+                <a:spcPts val="0"/>
+              </a:spcAft>
+              <a:buSzPts val="1400"/>
+              <a:buChar char="●"/>
+              <a:defRPr/>
+            </a:lvl4pPr>
+            <a:lvl5pPr marL="2286000" lvl="4" indent="-317500">
+              <a:spcBef>
+                <a:spcPts val="1600"/>
+              </a:spcBef>
+              <a:spcAft>
+                <a:spcPts val="0"/>
+              </a:spcAft>
+              <a:buSzPts val="1400"/>
+              <a:buChar char="○"/>
+              <a:defRPr/>
+            </a:lvl5pPr>
+            <a:lvl6pPr marL="2743200" lvl="5" indent="-317500">
+              <a:spcBef>
+                <a:spcPts val="1600"/>
+              </a:spcBef>
+              <a:spcAft>
+                <a:spcPts val="0"/>
+              </a:spcAft>
+              <a:buSzPts val="1400"/>
+              <a:buChar char="■"/>
+              <a:defRPr/>
+            </a:lvl6pPr>
+            <a:lvl7pPr marL="3200400" lvl="6" indent="-317500">
+              <a:spcBef>
+                <a:spcPts val="1600"/>
+              </a:spcBef>
+              <a:spcAft>
+                <a:spcPts val="0"/>
+              </a:spcAft>
+              <a:buSzPts val="1400"/>
+              <a:buChar char="●"/>
+              <a:defRPr/>
+            </a:lvl7pPr>
+            <a:lvl8pPr marL="3657600" lvl="7" indent="-317500">
+              <a:spcBef>
+                <a:spcPts val="1600"/>
+              </a:spcBef>
+              <a:spcAft>
+                <a:spcPts val="0"/>
+              </a:spcAft>
+              <a:buSzPts val="1400"/>
+              <a:buChar char="○"/>
+              <a:defRPr/>
+            </a:lvl8pPr>
+            <a:lvl9pPr marL="4114800" lvl="8" indent="-317500">
+              <a:spcBef>
+                <a:spcPts val="1600"/>
+              </a:spcBef>
+              <a:spcAft>
+                <a:spcPts val="1600"/>
+              </a:spcAft>
+              <a:buSzPts val="1400"/>
+              <a:buChar char="■"/>
+              <a:defRPr/>
+            </a:lvl9pPr>
+          </a:lstStyle>
+          <a:p>
+            <a:endParaRPr/>
+          </a:p>
+        </p:txBody>
+      </p:sp>
+      <p:sp>
+        <p:nvSpPr>
+          <p:cNvPr id="19" name="Shape 19"/>
+          <p:cNvSpPr txBox="1">
+            <a:spLocks noGrp="1"/>
+          </p:cNvSpPr>
+          <p:nvPr>
+            <p:ph type="sldNum" idx="12"/>
+          </p:nvPr>
+        </p:nvSpPr>
+        <p:spPr>
+          <a:xfrm>
+            <a:off x="8472458" y="4663217"/>
+            <a:ext cx="548700" cy="393600"/>
+          </a:xfrm>
+          <a:prstGeom prst="rect">
+            <a:avLst/>
+          </a:prstGeom>
+        </p:spPr>
+        <p:txBody>
+          <a:bodyPr spcFirstLastPara="1" wrap="square" lIns="91425" tIns="91425" rIns="91425" bIns="91425" anchor="ctr" anchorCtr="0">
+            <a:noAutofit/>
+          </a:bodyPr>
+          <a:lstStyle/>
+          <a:p>
+            <a:pPr marL="0" lvl="0" indent="0">
+              <a:spcBef>
+                <a:spcPts val="0"/>
+              </a:spcBef>
+              <a:spcAft>
+                <a:spcPts val="0"/>
+              </a:spcAft>
+              <a:buNone/>
+            </a:pPr>
+            <a:fld id="{00000000-1234-1234-1234-123412341234}" type="slidenum">
+              <a:rPr lang="en"/>
+              <a:t>‹#›</a:t>
+            </a:fld>
+            <a:endParaRPr/>
+          </a:p>
+        </p:txBody>
+      </p:sp>
+    </p:spTree>
+    <p:extLst>
+      <p:ext uri="{BB962C8B-B14F-4D97-AF65-F5344CB8AC3E}">
+        <p14:creationId xmlns:p14="http://schemas.microsoft.com/office/powerpoint/2010/main" val="3549919769"/>
+      </p:ext>
+    </p:extLst>
+  </p:cSld>
+  <p:clrMapOvr>
+    <a:masterClrMapping/>
+  </p:clrMapOvr>
+</p:sldLayout>
+</file>
+
 <file path=ppt/slideMasters/slideMaster1.xml><?xml version="1.0" encoding="utf-8"?>
 <p:sldMaster xmlns:a="http://schemas.openxmlformats.org/drawingml/2006/main" xmlns:r="http://schemas.openxmlformats.org/officeDocument/2006/relationships" xmlns:p="http://schemas.openxmlformats.org/presentationml/2006/main">
   <p:cSld name="simple-light-2">
@@ -3347,6 +3883,7 @@
     <p:sldLayoutId id="2147483655" r:id="rId5"/>
     <p:sldLayoutId id="2147483656" r:id="rId6"/>
     <p:sldLayoutId id="2147483657" r:id="rId7"/>
+    <p:sldLayoutId id="2147483660" r:id="rId8"/>
   </p:sldLayoutIdLst>
   <p:hf sldNum="0" hdr="0" ftr="0" dt="0"/>
   <p:txStyles>
@@ -4082,7 +4619,7 @@
         </p:nvPicPr>
         <p:blipFill>
           <a:blip r:embed="rId4">
-            <a:alphaModFix amt="14000"/>
+            <a:alphaModFix amt="25000"/>
           </a:blip>
           <a:stretch>
             <a:fillRect/>
@@ -4174,6 +4711,2813 @@
         </p:txBody>
       </p:sp>
     </p:spTree>
+  </p:cSld>
+  <p:clrMapOvr>
+    <a:masterClrMapping/>
+  </p:clrMapOvr>
+  <p:timing>
+    <p:tnLst>
+      <p:par>
+        <p:cTn xmlns:p14="http://schemas.microsoft.com/office/powerpoint/2010/main" id="1" dur="indefinite" restart="never" nodeType="tmRoot"/>
+      </p:par>
+    </p:tnLst>
+  </p:timing>
+</p:sld>
+</file>
+
+<file path=ppt/slides/slide3.xml><?xml version="1.0" encoding="utf-8"?>
+<p:sld xmlns:a="http://schemas.openxmlformats.org/drawingml/2006/main" xmlns:r="http://schemas.openxmlformats.org/officeDocument/2006/relationships" xmlns:p="http://schemas.openxmlformats.org/presentationml/2006/main">
+  <p:cSld>
+    <p:spTree>
+      <p:nvGrpSpPr>
+        <p:cNvPr id="1" name="Shape 249"/>
+        <p:cNvGrpSpPr/>
+        <p:nvPr/>
+      </p:nvGrpSpPr>
+      <p:grpSpPr>
+        <a:xfrm>
+          <a:off x="0" y="0"/>
+          <a:ext cx="0" cy="0"/>
+          <a:chOff x="0" y="0"/>
+          <a:chExt cx="0" cy="0"/>
+        </a:xfrm>
+      </p:grpSpPr>
+      <p:grpSp>
+        <p:nvGrpSpPr>
+          <p:cNvPr id="226" name="Group 225"/>
+          <p:cNvGrpSpPr>
+            <a:grpSpLocks noChangeAspect="1"/>
+          </p:cNvGrpSpPr>
+          <p:nvPr/>
+        </p:nvGrpSpPr>
+        <p:grpSpPr>
+          <a:xfrm>
+            <a:off x="349915" y="1143531"/>
+            <a:ext cx="8517509" cy="3072714"/>
+            <a:chOff x="256389" y="856097"/>
+            <a:chExt cx="8517509" cy="3072714"/>
+          </a:xfrm>
+        </p:grpSpPr>
+        <p:grpSp>
+          <p:nvGrpSpPr>
+            <p:cNvPr id="20" name="Group 19"/>
+            <p:cNvGrpSpPr/>
+            <p:nvPr/>
+          </p:nvGrpSpPr>
+          <p:grpSpPr>
+            <a:xfrm>
+              <a:off x="256389" y="856097"/>
+              <a:ext cx="2031417" cy="3072594"/>
+              <a:chOff x="1412318" y="832661"/>
+              <a:chExt cx="2031417" cy="3072594"/>
+            </a:xfrm>
+          </p:grpSpPr>
+          <p:sp>
+            <p:nvSpPr>
+              <p:cNvPr id="37" name="Shape 251"/>
+              <p:cNvSpPr/>
+              <p:nvPr/>
+            </p:nvSpPr>
+            <p:spPr>
+              <a:xfrm>
+                <a:off x="1576166" y="1189187"/>
+                <a:ext cx="1291625" cy="356526"/>
+              </a:xfrm>
+              <a:prstGeom prst="roundRect">
+                <a:avLst>
+                  <a:gd name="adj" fmla="val 16667"/>
+                </a:avLst>
+              </a:prstGeom>
+              <a:solidFill>
+                <a:srgbClr val="D0E0E3"/>
+              </a:solidFill>
+              <a:ln w="9525" cap="flat" cmpd="sng">
+                <a:solidFill>
+                  <a:schemeClr val="dk2"/>
+                </a:solidFill>
+                <a:prstDash val="solid"/>
+                <a:round/>
+                <a:headEnd type="none" w="med" len="med"/>
+                <a:tailEnd type="none" w="med" len="med"/>
+              </a:ln>
+            </p:spPr>
+            <p:txBody>
+              <a:bodyPr spcFirstLastPara="1" wrap="square" lIns="91425" tIns="91425" rIns="91425" bIns="91425" anchor="ctr" anchorCtr="0">
+                <a:noAutofit/>
+              </a:bodyPr>
+              <a:lstStyle/>
+              <a:p>
+                <a:pPr marL="0" lvl="0" indent="0" algn="ctr">
+                  <a:spcBef>
+                    <a:spcPts val="0"/>
+                  </a:spcBef>
+                  <a:spcAft>
+                    <a:spcPts val="0"/>
+                  </a:spcAft>
+                  <a:buNone/>
+                </a:pPr>
+                <a:r>
+                  <a:rPr lang="en-US" sz="1600" dirty="0" smtClean="0"/>
+                  <a:t>Encoding</a:t>
+                </a:r>
+                <a:endParaRPr dirty="0"/>
+              </a:p>
+            </p:txBody>
+          </p:sp>
+          <p:sp>
+            <p:nvSpPr>
+              <p:cNvPr id="38" name="Shape 254"/>
+              <p:cNvSpPr/>
+              <p:nvPr/>
+            </p:nvSpPr>
+            <p:spPr>
+              <a:xfrm>
+                <a:off x="3034738" y="1251749"/>
+                <a:ext cx="408997" cy="267221"/>
+              </a:xfrm>
+              <a:prstGeom prst="rightArrow">
+                <a:avLst>
+                  <a:gd name="adj1" fmla="val 50000"/>
+                  <a:gd name="adj2" fmla="val 50000"/>
+                </a:avLst>
+              </a:prstGeom>
+              <a:solidFill>
+                <a:schemeClr val="lt2"/>
+              </a:solidFill>
+              <a:ln w="9525" cap="flat" cmpd="sng">
+                <a:solidFill>
+                  <a:schemeClr val="dk1"/>
+                </a:solidFill>
+                <a:prstDash val="solid"/>
+                <a:round/>
+                <a:headEnd type="none" w="med" len="med"/>
+                <a:tailEnd type="none" w="med" len="med"/>
+              </a:ln>
+            </p:spPr>
+            <p:txBody>
+              <a:bodyPr spcFirstLastPara="1" wrap="square" lIns="91425" tIns="91425" rIns="91425" bIns="91425" anchor="ctr" anchorCtr="0">
+                <a:noAutofit/>
+              </a:bodyPr>
+              <a:lstStyle/>
+              <a:p>
+                <a:pPr marL="0" lvl="0" indent="0">
+                  <a:spcBef>
+                    <a:spcPts val="0"/>
+                  </a:spcBef>
+                  <a:spcAft>
+                    <a:spcPts val="0"/>
+                  </a:spcAft>
+                  <a:buNone/>
+                </a:pPr>
+                <a:endParaRPr/>
+              </a:p>
+            </p:txBody>
+          </p:sp>
+          <p:sp>
+            <p:nvSpPr>
+              <p:cNvPr id="39" name="Shape 257"/>
+              <p:cNvSpPr txBox="1"/>
+              <p:nvPr/>
+            </p:nvSpPr>
+            <p:spPr>
+              <a:xfrm>
+                <a:off x="1769943" y="832661"/>
+                <a:ext cx="843041" cy="356526"/>
+              </a:xfrm>
+              <a:prstGeom prst="rect">
+                <a:avLst/>
+              </a:prstGeom>
+              <a:noFill/>
+              <a:ln>
+                <a:noFill/>
+              </a:ln>
+            </p:spPr>
+            <p:txBody>
+              <a:bodyPr spcFirstLastPara="1" wrap="square" lIns="91425" tIns="91425" rIns="91425" bIns="91425" anchor="ctr" anchorCtr="0">
+                <a:noAutofit/>
+              </a:bodyPr>
+              <a:lstStyle/>
+              <a:p>
+                <a:pPr marL="0" lvl="0" indent="0" algn="ctr" rtl="0">
+                  <a:spcBef>
+                    <a:spcPts val="0"/>
+                  </a:spcBef>
+                  <a:spcAft>
+                    <a:spcPts val="0"/>
+                  </a:spcAft>
+                  <a:buNone/>
+                </a:pPr>
+                <a:r>
+                  <a:rPr lang="en" sz="1000" b="1" dirty="0"/>
+                  <a:t>scan run</a:t>
+                </a:r>
+                <a:endParaRPr sz="1000" b="1" dirty="0"/>
+              </a:p>
+            </p:txBody>
+          </p:sp>
+          <p:grpSp>
+            <p:nvGrpSpPr>
+              <p:cNvPr id="7" name="Group 6"/>
+              <p:cNvGrpSpPr/>
+              <p:nvPr/>
+            </p:nvGrpSpPr>
+            <p:grpSpPr>
+              <a:xfrm>
+                <a:off x="1412318" y="2090252"/>
+                <a:ext cx="1556414" cy="1437919"/>
+                <a:chOff x="5493929" y="2593497"/>
+                <a:chExt cx="1343700" cy="1241400"/>
+              </a:xfrm>
+            </p:grpSpPr>
+            <p:sp>
+              <p:nvSpPr>
+                <p:cNvPr id="40" name="Shape 262"/>
+                <p:cNvSpPr/>
+                <p:nvPr/>
+              </p:nvSpPr>
+              <p:spPr>
+                <a:xfrm>
+                  <a:off x="5493929" y="2593497"/>
+                  <a:ext cx="1343700" cy="1241400"/>
+                </a:xfrm>
+                <a:prstGeom prst="rect">
+                  <a:avLst/>
+                </a:prstGeom>
+                <a:solidFill>
+                  <a:schemeClr val="lt2"/>
+                </a:solidFill>
+                <a:ln w="9525" cap="flat" cmpd="sng">
+                  <a:solidFill>
+                    <a:schemeClr val="dk2"/>
+                  </a:solidFill>
+                  <a:prstDash val="solid"/>
+                  <a:round/>
+                  <a:headEnd type="none" w="med" len="med"/>
+                  <a:tailEnd type="none" w="med" len="med"/>
+                </a:ln>
+              </p:spPr>
+              <p:txBody>
+                <a:bodyPr spcFirstLastPara="1" wrap="square" lIns="91425" tIns="91425" rIns="91425" bIns="91425" anchor="ctr" anchorCtr="0">
+                  <a:noAutofit/>
+                </a:bodyPr>
+                <a:lstStyle/>
+                <a:p>
+                  <a:pPr marL="0" lvl="0" indent="0" rtl="0">
+                    <a:spcBef>
+                      <a:spcPts val="0"/>
+                    </a:spcBef>
+                    <a:spcAft>
+                      <a:spcPts val="0"/>
+                    </a:spcAft>
+                    <a:buNone/>
+                  </a:pPr>
+                  <a:endParaRPr/>
+                </a:p>
+              </p:txBody>
+            </p:sp>
+            <p:grpSp>
+              <p:nvGrpSpPr>
+                <p:cNvPr id="6" name="Group 5"/>
+                <p:cNvGrpSpPr/>
+                <p:nvPr/>
+              </p:nvGrpSpPr>
+              <p:grpSpPr>
+                <a:xfrm>
+                  <a:off x="5802678" y="2854397"/>
+                  <a:ext cx="727823" cy="716101"/>
+                  <a:chOff x="3803089" y="2056774"/>
+                  <a:chExt cx="727823" cy="716101"/>
+                </a:xfrm>
+              </p:grpSpPr>
+              <p:pic>
+                <p:nvPicPr>
+                  <p:cNvPr id="263" name="Shape 263" descr="context_004.jpg"/>
+                  <p:cNvPicPr preferRelativeResize="0"/>
+                  <p:nvPr/>
+                </p:nvPicPr>
+                <p:blipFill>
+                  <a:blip r:embed="rId3">
+                    <a:alphaModFix/>
+                  </a:blip>
+                  <a:stretch>
+                    <a:fillRect/>
+                  </a:stretch>
+                </p:blipFill>
+                <p:spPr>
+                  <a:xfrm>
+                    <a:off x="3803089" y="2056774"/>
+                    <a:ext cx="727823" cy="716101"/>
+                  </a:xfrm>
+                  <a:prstGeom prst="rect">
+                    <a:avLst/>
+                  </a:prstGeom>
+                  <a:noFill/>
+                  <a:ln w="38100" cmpd="sng">
+                    <a:solidFill>
+                      <a:schemeClr val="accent5">
+                        <a:lumMod val="60000"/>
+                        <a:lumOff val="40000"/>
+                      </a:schemeClr>
+                    </a:solidFill>
+                  </a:ln>
+                </p:spPr>
+              </p:pic>
+              <p:pic>
+                <p:nvPicPr>
+                  <p:cNvPr id="265" name="Shape 265" descr="item_004.jpg"/>
+                  <p:cNvPicPr preferRelativeResize="0"/>
+                  <p:nvPr/>
+                </p:nvPicPr>
+                <p:blipFill>
+                  <a:blip r:embed="rId4">
+                    <a:alphaModFix/>
+                  </a:blip>
+                  <a:stretch>
+                    <a:fillRect/>
+                  </a:stretch>
+                </p:blipFill>
+                <p:spPr>
+                  <a:xfrm>
+                    <a:off x="4063300" y="2284899"/>
+                    <a:ext cx="255900" cy="259750"/>
+                  </a:xfrm>
+                  <a:prstGeom prst="rect">
+                    <a:avLst/>
+                  </a:prstGeom>
+                  <a:noFill/>
+                  <a:ln>
+                    <a:noFill/>
+                  </a:ln>
+                </p:spPr>
+              </p:pic>
+            </p:grpSp>
+          </p:grpSp>
+          <p:grpSp>
+            <p:nvGrpSpPr>
+              <p:cNvPr id="8" name="Group 7"/>
+              <p:cNvGrpSpPr/>
+              <p:nvPr/>
+            </p:nvGrpSpPr>
+            <p:grpSpPr>
+              <a:xfrm>
+                <a:off x="1579004" y="1624398"/>
+                <a:ext cx="1185123" cy="434090"/>
+                <a:chOff x="4160925" y="1696578"/>
+                <a:chExt cx="1023153" cy="374763"/>
+              </a:xfrm>
+            </p:grpSpPr>
+            <p:pic>
+              <p:nvPicPr>
+                <p:cNvPr id="42" name="Shape 274"/>
+                <p:cNvPicPr preferRelativeResize="0"/>
+                <p:nvPr/>
+              </p:nvPicPr>
+              <p:blipFill>
+                <a:blip r:embed="rId5">
+                  <a:alphaModFix/>
+                </a:blip>
+                <a:stretch>
+                  <a:fillRect/>
+                </a:stretch>
+              </p:blipFill>
+              <p:spPr>
+                <a:xfrm>
+                  <a:off x="4160925" y="1768602"/>
+                  <a:ext cx="479237" cy="230700"/>
+                </a:xfrm>
+                <a:prstGeom prst="rect">
+                  <a:avLst/>
+                </a:prstGeom>
+                <a:noFill/>
+                <a:ln>
+                  <a:noFill/>
+                </a:ln>
+              </p:spPr>
+            </p:pic>
+            <p:pic>
+              <p:nvPicPr>
+                <p:cNvPr id="43" name="Shape 276"/>
+                <p:cNvPicPr preferRelativeResize="0"/>
+                <p:nvPr/>
+              </p:nvPicPr>
+              <p:blipFill>
+                <a:blip r:embed="rId6">
+                  <a:alphaModFix/>
+                </a:blip>
+                <a:stretch>
+                  <a:fillRect/>
+                </a:stretch>
+              </p:blipFill>
+              <p:spPr>
+                <a:xfrm>
+                  <a:off x="4640152" y="1696580"/>
+                  <a:ext cx="304500" cy="374761"/>
+                </a:xfrm>
+                <a:prstGeom prst="rect">
+                  <a:avLst/>
+                </a:prstGeom>
+                <a:noFill/>
+                <a:ln>
+                  <a:noFill/>
+                </a:ln>
+              </p:spPr>
+            </p:pic>
+            <p:pic>
+              <p:nvPicPr>
+                <p:cNvPr id="44" name="Shape 278"/>
+                <p:cNvPicPr preferRelativeResize="0"/>
+                <p:nvPr/>
+              </p:nvPicPr>
+              <p:blipFill>
+                <a:blip r:embed="rId7">
+                  <a:alphaModFix/>
+                </a:blip>
+                <a:stretch>
+                  <a:fillRect/>
+                </a:stretch>
+              </p:blipFill>
+              <p:spPr>
+                <a:xfrm>
+                  <a:off x="4974953" y="1696578"/>
+                  <a:ext cx="209125" cy="347340"/>
+                </a:xfrm>
+                <a:prstGeom prst="rect">
+                  <a:avLst/>
+                </a:prstGeom>
+                <a:noFill/>
+                <a:ln>
+                  <a:noFill/>
+                </a:ln>
+              </p:spPr>
+            </p:pic>
+          </p:grpSp>
+          <p:sp>
+            <p:nvSpPr>
+              <p:cNvPr id="14" name="TextBox 13"/>
+              <p:cNvSpPr txBox="1"/>
+              <p:nvPr/>
+            </p:nvSpPr>
+            <p:spPr>
+              <a:xfrm>
+                <a:off x="1576166" y="3651339"/>
+                <a:ext cx="1291625" cy="253916"/>
+              </a:xfrm>
+              <a:prstGeom prst="rect">
+                <a:avLst/>
+              </a:prstGeom>
+              <a:noFill/>
+            </p:spPr>
+            <p:txBody>
+              <a:bodyPr wrap="square" rtlCol="0">
+                <a:spAutoFit/>
+              </a:bodyPr>
+              <a:lstStyle/>
+              <a:p>
+                <a:pPr algn="ctr"/>
+                <a:r>
+                  <a:rPr lang="en-US" sz="1050" b="1" dirty="0" smtClean="0"/>
+                  <a:t>“Intel Gathering”</a:t>
+                </a:r>
+                <a:endParaRPr lang="en-US" sz="1050" b="1" dirty="0"/>
+              </a:p>
+            </p:txBody>
+          </p:sp>
+        </p:grpSp>
+        <p:grpSp>
+          <p:nvGrpSpPr>
+            <p:cNvPr id="224" name="Group 223"/>
+            <p:cNvGrpSpPr/>
+            <p:nvPr/>
+          </p:nvGrpSpPr>
+          <p:grpSpPr>
+            <a:xfrm>
+              <a:off x="2539482" y="863017"/>
+              <a:ext cx="4594950" cy="3065794"/>
+              <a:chOff x="2539482" y="863017"/>
+              <a:chExt cx="4594950" cy="3065794"/>
+            </a:xfrm>
+          </p:grpSpPr>
+          <p:grpSp>
+            <p:nvGrpSpPr>
+              <p:cNvPr id="21" name="Group 20"/>
+              <p:cNvGrpSpPr/>
+              <p:nvPr/>
+            </p:nvGrpSpPr>
+            <p:grpSpPr>
+              <a:xfrm>
+                <a:off x="2539482" y="863017"/>
+                <a:ext cx="4594950" cy="1218907"/>
+                <a:chOff x="3695411" y="839581"/>
+                <a:chExt cx="4594950" cy="1218907"/>
+              </a:xfrm>
+            </p:grpSpPr>
+            <p:sp>
+              <p:nvSpPr>
+                <p:cNvPr id="53" name="Shape 250"/>
+                <p:cNvSpPr/>
+                <p:nvPr/>
+              </p:nvSpPr>
+              <p:spPr>
+                <a:xfrm>
+                  <a:off x="3695411" y="1211169"/>
+                  <a:ext cx="4176300" cy="334543"/>
+                </a:xfrm>
+                <a:prstGeom prst="roundRect">
+                  <a:avLst>
+                    <a:gd name="adj" fmla="val 16667"/>
+                  </a:avLst>
+                </a:prstGeom>
+                <a:solidFill>
+                  <a:srgbClr val="D0E0E3"/>
+                </a:solidFill>
+                <a:ln w="9525" cap="flat" cmpd="sng">
+                  <a:solidFill>
+                    <a:schemeClr val="dk2"/>
+                  </a:solidFill>
+                  <a:prstDash val="solid"/>
+                  <a:round/>
+                  <a:headEnd type="none" w="med" len="med"/>
+                  <a:tailEnd type="none" w="med" len="med"/>
+                </a:ln>
+              </p:spPr>
+              <p:txBody>
+                <a:bodyPr spcFirstLastPara="1" wrap="square" lIns="91425" tIns="91425" rIns="91425" bIns="91425" anchor="ctr" anchorCtr="0">
+                  <a:noAutofit/>
+                </a:bodyPr>
+                <a:lstStyle/>
+                <a:p>
+                  <a:pPr marL="0" lvl="0" indent="0">
+                    <a:spcBef>
+                      <a:spcPts val="0"/>
+                    </a:spcBef>
+                    <a:spcAft>
+                      <a:spcPts val="0"/>
+                    </a:spcAft>
+                    <a:buNone/>
+                  </a:pPr>
+                  <a:r>
+                    <a:rPr lang="en-US" dirty="0" smtClean="0"/>
+                    <a:t>Item Recognition	       Emotional Retrieval</a:t>
+                  </a:r>
+                  <a:endParaRPr dirty="0"/>
+                </a:p>
+              </p:txBody>
+            </p:sp>
+            <p:sp>
+              <p:nvSpPr>
+                <p:cNvPr id="54" name="Shape 255"/>
+                <p:cNvSpPr/>
+                <p:nvPr/>
+              </p:nvSpPr>
+              <p:spPr>
+                <a:xfrm>
+                  <a:off x="5384261" y="1251748"/>
+                  <a:ext cx="353100" cy="267221"/>
+                </a:xfrm>
+                <a:prstGeom prst="rightArrow">
+                  <a:avLst>
+                    <a:gd name="adj1" fmla="val 50000"/>
+                    <a:gd name="adj2" fmla="val 50000"/>
+                  </a:avLst>
+                </a:prstGeom>
+                <a:solidFill>
+                  <a:schemeClr val="lt2"/>
+                </a:solidFill>
+                <a:ln w="9525" cap="flat" cmpd="sng">
+                  <a:solidFill>
+                    <a:schemeClr val="dk1"/>
+                  </a:solidFill>
+                  <a:prstDash val="solid"/>
+                  <a:round/>
+                  <a:headEnd type="none" w="med" len="med"/>
+                  <a:tailEnd type="none" w="med" len="med"/>
+                </a:ln>
+              </p:spPr>
+              <p:txBody>
+                <a:bodyPr spcFirstLastPara="1" wrap="square" lIns="91425" tIns="91425" rIns="91425" bIns="91425" anchor="ctr" anchorCtr="0">
+                  <a:noAutofit/>
+                </a:bodyPr>
+                <a:lstStyle/>
+                <a:p>
+                  <a:pPr marL="0" lvl="0" indent="0">
+                    <a:spcBef>
+                      <a:spcPts val="0"/>
+                    </a:spcBef>
+                    <a:spcAft>
+                      <a:spcPts val="0"/>
+                    </a:spcAft>
+                    <a:buNone/>
+                  </a:pPr>
+                  <a:endParaRPr/>
+                </a:p>
+              </p:txBody>
+            </p:sp>
+            <p:sp>
+              <p:nvSpPr>
+                <p:cNvPr id="55" name="Shape 256"/>
+                <p:cNvSpPr/>
+                <p:nvPr/>
+              </p:nvSpPr>
+              <p:spPr>
+                <a:xfrm>
+                  <a:off x="7937261" y="1251748"/>
+                  <a:ext cx="353100" cy="267221"/>
+                </a:xfrm>
+                <a:prstGeom prst="rightArrow">
+                  <a:avLst>
+                    <a:gd name="adj1" fmla="val 50000"/>
+                    <a:gd name="adj2" fmla="val 50000"/>
+                  </a:avLst>
+                </a:prstGeom>
+                <a:solidFill>
+                  <a:schemeClr val="lt2"/>
+                </a:solidFill>
+                <a:ln w="9525" cap="flat" cmpd="sng">
+                  <a:solidFill>
+                    <a:schemeClr val="dk1"/>
+                  </a:solidFill>
+                  <a:prstDash val="solid"/>
+                  <a:round/>
+                  <a:headEnd type="none" w="med" len="med"/>
+                  <a:tailEnd type="none" w="med" len="med"/>
+                </a:ln>
+              </p:spPr>
+              <p:txBody>
+                <a:bodyPr spcFirstLastPara="1" wrap="square" lIns="91425" tIns="91425" rIns="91425" bIns="91425" anchor="ctr" anchorCtr="0">
+                  <a:noAutofit/>
+                </a:bodyPr>
+                <a:lstStyle/>
+                <a:p>
+                  <a:pPr marL="0" lvl="0" indent="0">
+                    <a:spcBef>
+                      <a:spcPts val="0"/>
+                    </a:spcBef>
+                    <a:spcAft>
+                      <a:spcPts val="0"/>
+                    </a:spcAft>
+                    <a:buNone/>
+                  </a:pPr>
+                  <a:endParaRPr/>
+                </a:p>
+              </p:txBody>
+            </p:sp>
+            <p:sp>
+              <p:nvSpPr>
+                <p:cNvPr id="64" name="Shape 257"/>
+                <p:cNvSpPr txBox="1"/>
+                <p:nvPr/>
+              </p:nvSpPr>
+              <p:spPr>
+                <a:xfrm>
+                  <a:off x="5417052" y="839581"/>
+                  <a:ext cx="843041" cy="356526"/>
+                </a:xfrm>
+                <a:prstGeom prst="rect">
+                  <a:avLst/>
+                </a:prstGeom>
+                <a:noFill/>
+                <a:ln>
+                  <a:noFill/>
+                </a:ln>
+              </p:spPr>
+              <p:txBody>
+                <a:bodyPr spcFirstLastPara="1" wrap="square" lIns="91425" tIns="91425" rIns="91425" bIns="91425" anchor="ctr" anchorCtr="0">
+                  <a:noAutofit/>
+                </a:bodyPr>
+                <a:lstStyle/>
+                <a:p>
+                  <a:pPr marL="0" lvl="0" indent="0" algn="ctr" rtl="0">
+                    <a:spcBef>
+                      <a:spcPts val="0"/>
+                    </a:spcBef>
+                    <a:spcAft>
+                      <a:spcPts val="0"/>
+                    </a:spcAft>
+                    <a:buNone/>
+                  </a:pPr>
+                  <a:r>
+                    <a:rPr lang="en" sz="1000" b="1" dirty="0"/>
+                    <a:t>scan run</a:t>
+                  </a:r>
+                  <a:endParaRPr sz="1000" b="1" dirty="0"/>
+                </a:p>
+              </p:txBody>
+            </p:sp>
+            <p:grpSp>
+              <p:nvGrpSpPr>
+                <p:cNvPr id="65" name="Group 64"/>
+                <p:cNvGrpSpPr/>
+                <p:nvPr/>
+              </p:nvGrpSpPr>
+              <p:grpSpPr>
+                <a:xfrm>
+                  <a:off x="4930778" y="1624398"/>
+                  <a:ext cx="1185123" cy="434090"/>
+                  <a:chOff x="4160925" y="1696578"/>
+                  <a:chExt cx="1023153" cy="374763"/>
+                </a:xfrm>
+              </p:grpSpPr>
+              <p:pic>
+                <p:nvPicPr>
+                  <p:cNvPr id="66" name="Shape 274"/>
+                  <p:cNvPicPr preferRelativeResize="0"/>
+                  <p:nvPr/>
+                </p:nvPicPr>
+                <p:blipFill>
+                  <a:blip r:embed="rId5">
+                    <a:alphaModFix/>
+                  </a:blip>
+                  <a:stretch>
+                    <a:fillRect/>
+                  </a:stretch>
+                </p:blipFill>
+                <p:spPr>
+                  <a:xfrm>
+                    <a:off x="4160925" y="1768602"/>
+                    <a:ext cx="479237" cy="230700"/>
+                  </a:xfrm>
+                  <a:prstGeom prst="rect">
+                    <a:avLst/>
+                  </a:prstGeom>
+                  <a:noFill/>
+                  <a:ln>
+                    <a:noFill/>
+                  </a:ln>
+                </p:spPr>
+              </p:pic>
+              <p:pic>
+                <p:nvPicPr>
+                  <p:cNvPr id="67" name="Shape 276"/>
+                  <p:cNvPicPr preferRelativeResize="0"/>
+                  <p:nvPr/>
+                </p:nvPicPr>
+                <p:blipFill>
+                  <a:blip r:embed="rId6">
+                    <a:alphaModFix/>
+                  </a:blip>
+                  <a:stretch>
+                    <a:fillRect/>
+                  </a:stretch>
+                </p:blipFill>
+                <p:spPr>
+                  <a:xfrm>
+                    <a:off x="4640152" y="1696580"/>
+                    <a:ext cx="304500" cy="374761"/>
+                  </a:xfrm>
+                  <a:prstGeom prst="rect">
+                    <a:avLst/>
+                  </a:prstGeom>
+                  <a:noFill/>
+                  <a:ln>
+                    <a:noFill/>
+                  </a:ln>
+                </p:spPr>
+              </p:pic>
+              <p:pic>
+                <p:nvPicPr>
+                  <p:cNvPr id="68" name="Shape 278"/>
+                  <p:cNvPicPr preferRelativeResize="0"/>
+                  <p:nvPr/>
+                </p:nvPicPr>
+                <p:blipFill>
+                  <a:blip r:embed="rId7">
+                    <a:alphaModFix/>
+                  </a:blip>
+                  <a:stretch>
+                    <a:fillRect/>
+                  </a:stretch>
+                </p:blipFill>
+                <p:spPr>
+                  <a:xfrm>
+                    <a:off x="4974953" y="1696578"/>
+                    <a:ext cx="209125" cy="347340"/>
+                  </a:xfrm>
+                  <a:prstGeom prst="rect">
+                    <a:avLst/>
+                  </a:prstGeom>
+                  <a:noFill/>
+                  <a:ln>
+                    <a:noFill/>
+                  </a:ln>
+                </p:spPr>
+              </p:pic>
+            </p:grpSp>
+          </p:grpSp>
+          <p:grpSp>
+            <p:nvGrpSpPr>
+              <p:cNvPr id="19" name="Group 18"/>
+              <p:cNvGrpSpPr/>
+              <p:nvPr/>
+            </p:nvGrpSpPr>
+            <p:grpSpPr>
+              <a:xfrm>
+                <a:off x="2539482" y="2113688"/>
+                <a:ext cx="1556414" cy="1815123"/>
+                <a:chOff x="3827847" y="2090132"/>
+                <a:chExt cx="1556414" cy="1815123"/>
+              </a:xfrm>
+            </p:grpSpPr>
+            <p:sp>
+              <p:nvSpPr>
+                <p:cNvPr id="70" name="Shape 262"/>
+                <p:cNvSpPr/>
+                <p:nvPr/>
+              </p:nvSpPr>
+              <p:spPr>
+                <a:xfrm>
+                  <a:off x="3827847" y="2090132"/>
+                  <a:ext cx="1556414" cy="1437919"/>
+                </a:xfrm>
+                <a:prstGeom prst="rect">
+                  <a:avLst/>
+                </a:prstGeom>
+                <a:solidFill>
+                  <a:schemeClr val="lt2"/>
+                </a:solidFill>
+                <a:ln w="9525" cap="flat" cmpd="sng">
+                  <a:solidFill>
+                    <a:schemeClr val="dk2"/>
+                  </a:solidFill>
+                  <a:prstDash val="solid"/>
+                  <a:round/>
+                  <a:headEnd type="none" w="med" len="med"/>
+                  <a:tailEnd type="none" w="med" len="med"/>
+                </a:ln>
+              </p:spPr>
+              <p:txBody>
+                <a:bodyPr spcFirstLastPara="1" wrap="square" lIns="91425" tIns="91425" rIns="91425" bIns="91425" anchor="ctr" anchorCtr="0">
+                  <a:noAutofit/>
+                </a:bodyPr>
+                <a:lstStyle/>
+                <a:p>
+                  <a:pPr marL="0" lvl="0" indent="0" rtl="0">
+                    <a:spcBef>
+                      <a:spcPts val="0"/>
+                    </a:spcBef>
+                    <a:spcAft>
+                      <a:spcPts val="0"/>
+                    </a:spcAft>
+                    <a:buNone/>
+                  </a:pPr>
+                  <a:endParaRPr/>
+                </a:p>
+              </p:txBody>
+            </p:sp>
+            <p:pic>
+              <p:nvPicPr>
+                <p:cNvPr id="73" name="Shape 265" descr="item_004.jpg"/>
+                <p:cNvPicPr preferRelativeResize="0"/>
+                <p:nvPr/>
+              </p:nvPicPr>
+              <p:blipFill>
+                <a:blip r:embed="rId4">
+                  <a:alphaModFix/>
+                </a:blip>
+                <a:stretch>
+                  <a:fillRect/>
+                </a:stretch>
+              </p:blipFill>
+              <p:spPr>
+                <a:xfrm>
+                  <a:off x="4486876" y="2656572"/>
+                  <a:ext cx="296410" cy="300870"/>
+                </a:xfrm>
+                <a:prstGeom prst="rect">
+                  <a:avLst/>
+                </a:prstGeom>
+                <a:noFill/>
+                <a:ln>
+                  <a:noFill/>
+                </a:ln>
+              </p:spPr>
+            </p:pic>
+            <p:sp>
+              <p:nvSpPr>
+                <p:cNvPr id="59" name="Shape 268"/>
+                <p:cNvSpPr txBox="1"/>
+                <p:nvPr/>
+              </p:nvSpPr>
+              <p:spPr>
+                <a:xfrm>
+                  <a:off x="3827847" y="3221917"/>
+                  <a:ext cx="1556414" cy="318856"/>
+                </a:xfrm>
+                <a:prstGeom prst="rect">
+                  <a:avLst/>
+                </a:prstGeom>
+                <a:noFill/>
+                <a:ln>
+                  <a:noFill/>
+                </a:ln>
+              </p:spPr>
+              <p:txBody>
+                <a:bodyPr spcFirstLastPara="1" wrap="square" lIns="91425" tIns="91425" rIns="91425" bIns="91425" anchor="ctr" anchorCtr="0">
+                  <a:noAutofit/>
+                </a:bodyPr>
+                <a:lstStyle/>
+                <a:p>
+                  <a:pPr marL="0" lvl="0" indent="0" algn="ctr" rtl="0">
+                    <a:lnSpc>
+                      <a:spcPct val="115000"/>
+                    </a:lnSpc>
+                    <a:spcBef>
+                      <a:spcPts val="0"/>
+                    </a:spcBef>
+                    <a:spcAft>
+                      <a:spcPts val="0"/>
+                    </a:spcAft>
+                    <a:buNone/>
+                  </a:pPr>
+                  <a:r>
+                    <a:rPr lang="en" sz="600" dirty="0">
+                      <a:solidFill>
+                        <a:schemeClr val="dk1"/>
+                      </a:solidFill>
+                    </a:rPr>
+                    <a:t>def old | prob old | prob new | def new</a:t>
+                  </a:r>
+                  <a:endParaRPr sz="600" dirty="0">
+                    <a:solidFill>
+                      <a:schemeClr val="dk1"/>
+                    </a:solidFill>
+                  </a:endParaRPr>
+                </a:p>
+                <a:p>
+                  <a:pPr marL="0" lvl="0" indent="0" rtl="0">
+                    <a:lnSpc>
+                      <a:spcPct val="115000"/>
+                    </a:lnSpc>
+                    <a:spcBef>
+                      <a:spcPts val="0"/>
+                    </a:spcBef>
+                    <a:spcAft>
+                      <a:spcPts val="0"/>
+                    </a:spcAft>
+                    <a:buNone/>
+                  </a:pPr>
+                  <a:r>
+                    <a:rPr lang="en" sz="600" dirty="0">
+                      <a:solidFill>
+                        <a:schemeClr val="dk1"/>
+                      </a:solidFill>
+                    </a:rPr>
+                    <a:t>         1            2               3               4</a:t>
+                  </a:r>
+                  <a:endParaRPr sz="600" dirty="0">
+                    <a:solidFill>
+                      <a:schemeClr val="dk1"/>
+                    </a:solidFill>
+                  </a:endParaRPr>
+                </a:p>
+              </p:txBody>
+            </p:sp>
+            <p:sp>
+              <p:nvSpPr>
+                <p:cNvPr id="87" name="TextBox 86"/>
+                <p:cNvSpPr txBox="1"/>
+                <p:nvPr/>
+              </p:nvSpPr>
+              <p:spPr>
+                <a:xfrm>
+                  <a:off x="3991671" y="3651339"/>
+                  <a:ext cx="1291625" cy="253916"/>
+                </a:xfrm>
+                <a:prstGeom prst="rect">
+                  <a:avLst/>
+                </a:prstGeom>
+                <a:noFill/>
+              </p:spPr>
+              <p:txBody>
+                <a:bodyPr wrap="square" rtlCol="0">
+                  <a:spAutoFit/>
+                </a:bodyPr>
+                <a:lstStyle/>
+                <a:p>
+                  <a:pPr algn="ctr"/>
+                  <a:r>
+                    <a:rPr lang="en-US" sz="1050" b="1" dirty="0" smtClean="0"/>
+                    <a:t>“Object ID Test”</a:t>
+                  </a:r>
+                  <a:endParaRPr lang="en-US" sz="1050" b="1" dirty="0"/>
+                </a:p>
+              </p:txBody>
+            </p:sp>
+          </p:grpSp>
+          <p:grpSp>
+            <p:nvGrpSpPr>
+              <p:cNvPr id="31" name="Group 30"/>
+              <p:cNvGrpSpPr/>
+              <p:nvPr/>
+            </p:nvGrpSpPr>
+            <p:grpSpPr>
+              <a:xfrm>
+                <a:off x="4826402" y="2113568"/>
+                <a:ext cx="1556414" cy="1815123"/>
+                <a:chOff x="4826402" y="2113568"/>
+                <a:chExt cx="1556414" cy="1815123"/>
+              </a:xfrm>
+            </p:grpSpPr>
+            <p:sp>
+              <p:nvSpPr>
+                <p:cNvPr id="82" name="Shape 262"/>
+                <p:cNvSpPr/>
+                <p:nvPr/>
+              </p:nvSpPr>
+              <p:spPr>
+                <a:xfrm>
+                  <a:off x="4826402" y="2113568"/>
+                  <a:ext cx="1556414" cy="1437919"/>
+                </a:xfrm>
+                <a:prstGeom prst="rect">
+                  <a:avLst/>
+                </a:prstGeom>
+                <a:solidFill>
+                  <a:schemeClr val="lt2"/>
+                </a:solidFill>
+                <a:ln w="9525" cap="flat" cmpd="sng">
+                  <a:solidFill>
+                    <a:schemeClr val="dk2"/>
+                  </a:solidFill>
+                  <a:prstDash val="solid"/>
+                  <a:round/>
+                  <a:headEnd type="none" w="med" len="med"/>
+                  <a:tailEnd type="none" w="med" len="med"/>
+                </a:ln>
+              </p:spPr>
+              <p:txBody>
+                <a:bodyPr spcFirstLastPara="1" wrap="square" lIns="91425" tIns="91425" rIns="91425" bIns="91425" anchor="ctr" anchorCtr="0">
+                  <a:noAutofit/>
+                </a:bodyPr>
+                <a:lstStyle/>
+                <a:p>
+                  <a:pPr marL="0" lvl="0" indent="0" rtl="0">
+                    <a:spcBef>
+                      <a:spcPts val="0"/>
+                    </a:spcBef>
+                    <a:spcAft>
+                      <a:spcPts val="0"/>
+                    </a:spcAft>
+                    <a:buNone/>
+                  </a:pPr>
+                  <a:endParaRPr/>
+                </a:p>
+              </p:txBody>
+            </p:sp>
+            <p:grpSp>
+              <p:nvGrpSpPr>
+                <p:cNvPr id="83" name="Group 82"/>
+                <p:cNvGrpSpPr/>
+                <p:nvPr/>
+              </p:nvGrpSpPr>
+              <p:grpSpPr>
+                <a:xfrm>
+                  <a:off x="5184027" y="2415770"/>
+                  <a:ext cx="843041" cy="829463"/>
+                  <a:chOff x="3803089" y="2056774"/>
+                  <a:chExt cx="727823" cy="716101"/>
+                </a:xfrm>
+              </p:grpSpPr>
+              <p:pic>
+                <p:nvPicPr>
+                  <p:cNvPr id="84" name="Shape 263" descr="context_004.jpg"/>
+                  <p:cNvPicPr preferRelativeResize="0"/>
+                  <p:nvPr/>
+                </p:nvPicPr>
+                <p:blipFill>
+                  <a:blip r:embed="rId3">
+                    <a:alphaModFix/>
+                  </a:blip>
+                  <a:stretch>
+                    <a:fillRect/>
+                  </a:stretch>
+                </p:blipFill>
+                <p:spPr>
+                  <a:xfrm>
+                    <a:off x="3803089" y="2056774"/>
+                    <a:ext cx="727823" cy="716101"/>
+                  </a:xfrm>
+                  <a:prstGeom prst="rect">
+                    <a:avLst/>
+                  </a:prstGeom>
+                  <a:noFill/>
+                  <a:ln w="38100" cmpd="sng">
+                    <a:noFill/>
+                  </a:ln>
+                </p:spPr>
+              </p:pic>
+              <p:pic>
+                <p:nvPicPr>
+                  <p:cNvPr id="85" name="Shape 265" descr="item_004.jpg"/>
+                  <p:cNvPicPr preferRelativeResize="0"/>
+                  <p:nvPr/>
+                </p:nvPicPr>
+                <p:blipFill>
+                  <a:blip r:embed="rId4">
+                    <a:alphaModFix/>
+                  </a:blip>
+                  <a:stretch>
+                    <a:fillRect/>
+                  </a:stretch>
+                </p:blipFill>
+                <p:spPr>
+                  <a:xfrm>
+                    <a:off x="4063300" y="2284899"/>
+                    <a:ext cx="255900" cy="259750"/>
+                  </a:xfrm>
+                  <a:prstGeom prst="rect">
+                    <a:avLst/>
+                  </a:prstGeom>
+                  <a:noFill/>
+                  <a:ln>
+                    <a:noFill/>
+                  </a:ln>
+                </p:spPr>
+              </p:pic>
+            </p:grpSp>
+            <p:sp>
+              <p:nvSpPr>
+                <p:cNvPr id="86" name="Shape 272"/>
+                <p:cNvSpPr txBox="1"/>
+                <p:nvPr/>
+              </p:nvSpPr>
+              <p:spPr>
+                <a:xfrm>
+                  <a:off x="4826402" y="3245353"/>
+                  <a:ext cx="1556414" cy="306134"/>
+                </a:xfrm>
+                <a:prstGeom prst="rect">
+                  <a:avLst/>
+                </a:prstGeom>
+                <a:noFill/>
+                <a:ln>
+                  <a:noFill/>
+                </a:ln>
+              </p:spPr>
+              <p:txBody>
+                <a:bodyPr spcFirstLastPara="1" wrap="square" lIns="0" tIns="45720" rIns="0" bIns="91425" anchor="t" anchorCtr="0">
+                  <a:noAutofit/>
+                </a:bodyPr>
+                <a:lstStyle/>
+                <a:p>
+                  <a:pPr marL="0" lvl="0" indent="0" algn="ctr" rtl="0">
+                    <a:lnSpc>
+                      <a:spcPct val="115000"/>
+                    </a:lnSpc>
+                    <a:spcBef>
+                      <a:spcPts val="0"/>
+                    </a:spcBef>
+                    <a:spcAft>
+                      <a:spcPts val="0"/>
+                    </a:spcAft>
+                    <a:buNone/>
+                  </a:pPr>
+                  <a:r>
+                    <a:rPr lang="en" sz="600" dirty="0"/>
+                    <a:t>def startle prob startle  def safe prob safe</a:t>
+                  </a:r>
+                  <a:endParaRPr sz="600" dirty="0"/>
+                </a:p>
+                <a:p>
+                  <a:pPr marL="0" lvl="0" indent="0" algn="ctr" rtl="0">
+                    <a:lnSpc>
+                      <a:spcPct val="115000"/>
+                    </a:lnSpc>
+                    <a:spcBef>
+                      <a:spcPts val="0"/>
+                    </a:spcBef>
+                    <a:spcAft>
+                      <a:spcPts val="0"/>
+                    </a:spcAft>
+                    <a:buNone/>
+                  </a:pPr>
+                  <a:r>
+                    <a:rPr lang="en" sz="600" dirty="0"/>
+                    <a:t>        1              2                 3            4</a:t>
+                  </a:r>
+                  <a:endParaRPr sz="600" dirty="0"/>
+                </a:p>
+              </p:txBody>
+            </p:sp>
+            <p:sp>
+              <p:nvSpPr>
+                <p:cNvPr id="88" name="TextBox 87"/>
+                <p:cNvSpPr txBox="1"/>
+                <p:nvPr/>
+              </p:nvSpPr>
+              <p:spPr>
+                <a:xfrm>
+                  <a:off x="4962064" y="3674775"/>
+                  <a:ext cx="1291625" cy="253916"/>
+                </a:xfrm>
+                <a:prstGeom prst="rect">
+                  <a:avLst/>
+                </a:prstGeom>
+                <a:noFill/>
+              </p:spPr>
+              <p:txBody>
+                <a:bodyPr wrap="square" rtlCol="0">
+                  <a:spAutoFit/>
+                </a:bodyPr>
+                <a:lstStyle/>
+                <a:p>
+                  <a:pPr algn="ctr"/>
+                  <a:r>
+                    <a:rPr lang="en-US" sz="1050" b="1" dirty="0" smtClean="0"/>
+                    <a:t>“Bomb Report”</a:t>
+                  </a:r>
+                  <a:endParaRPr lang="en-US" sz="1050" b="1" dirty="0"/>
+                </a:p>
+              </p:txBody>
+            </p:sp>
+          </p:grpSp>
+        </p:grpSp>
+        <p:grpSp>
+          <p:nvGrpSpPr>
+            <p:cNvPr id="225" name="Group 224"/>
+            <p:cNvGrpSpPr/>
+            <p:nvPr/>
+          </p:nvGrpSpPr>
+          <p:grpSpPr>
+            <a:xfrm>
+              <a:off x="7217484" y="1239818"/>
+              <a:ext cx="1556414" cy="2324511"/>
+              <a:chOff x="7217484" y="1239818"/>
+              <a:chExt cx="1556414" cy="2324511"/>
+            </a:xfrm>
+          </p:grpSpPr>
+          <p:sp>
+            <p:nvSpPr>
+              <p:cNvPr id="95" name="Shape 262"/>
+              <p:cNvSpPr/>
+              <p:nvPr/>
+            </p:nvSpPr>
+            <p:spPr>
+              <a:xfrm>
+                <a:off x="7217484" y="2126410"/>
+                <a:ext cx="1556414" cy="1437919"/>
+              </a:xfrm>
+              <a:prstGeom prst="rect">
+                <a:avLst/>
+              </a:prstGeom>
+              <a:solidFill>
+                <a:schemeClr val="lt2"/>
+              </a:solidFill>
+              <a:ln w="9525" cap="flat" cmpd="sng">
+                <a:solidFill>
+                  <a:schemeClr val="dk2"/>
+                </a:solidFill>
+                <a:prstDash val="solid"/>
+                <a:round/>
+                <a:headEnd type="none" w="med" len="med"/>
+                <a:tailEnd type="none" w="med" len="med"/>
+              </a:ln>
+            </p:spPr>
+            <p:txBody>
+              <a:bodyPr spcFirstLastPara="1" wrap="square" lIns="91425" tIns="91425" rIns="91425" bIns="91425" anchor="ctr" anchorCtr="0">
+                <a:noAutofit/>
+              </a:bodyPr>
+              <a:lstStyle/>
+              <a:p>
+                <a:pPr marL="0" lvl="0" indent="0" rtl="0">
+                  <a:spcBef>
+                    <a:spcPts val="0"/>
+                  </a:spcBef>
+                  <a:spcAft>
+                    <a:spcPts val="0"/>
+                  </a:spcAft>
+                  <a:buNone/>
+                </a:pPr>
+                <a:endParaRPr/>
+              </a:p>
+            </p:txBody>
+          </p:sp>
+          <p:sp>
+            <p:nvSpPr>
+              <p:cNvPr id="96" name="Shape 257"/>
+              <p:cNvSpPr txBox="1"/>
+              <p:nvPr/>
+            </p:nvSpPr>
+            <p:spPr>
+              <a:xfrm>
+                <a:off x="7351019" y="1239818"/>
+                <a:ext cx="1294365" cy="329331"/>
+              </a:xfrm>
+              <a:prstGeom prst="rect">
+                <a:avLst/>
+              </a:prstGeom>
+              <a:noFill/>
+              <a:ln>
+                <a:noFill/>
+              </a:ln>
+            </p:spPr>
+            <p:txBody>
+              <a:bodyPr spcFirstLastPara="1" wrap="square" lIns="91425" tIns="91425" rIns="91425" bIns="91425" anchor="ctr" anchorCtr="0">
+                <a:noAutofit/>
+              </a:bodyPr>
+              <a:lstStyle/>
+              <a:p>
+                <a:pPr marL="0" lvl="0" indent="0" algn="ctr" rtl="0">
+                  <a:spcBef>
+                    <a:spcPts val="0"/>
+                  </a:spcBef>
+                  <a:spcAft>
+                    <a:spcPts val="0"/>
+                  </a:spcAft>
+                  <a:buNone/>
+                </a:pPr>
+                <a:r>
+                  <a:rPr lang="en-US" b="1" dirty="0" smtClean="0"/>
+                  <a:t>Find Task</a:t>
+                </a:r>
+                <a:endParaRPr b="1" dirty="0"/>
+              </a:p>
+            </p:txBody>
+          </p:sp>
+          <p:pic>
+            <p:nvPicPr>
+              <p:cNvPr id="97" name="Shape 265" descr="item_004.jpg"/>
+              <p:cNvPicPr preferRelativeResize="0"/>
+              <p:nvPr/>
+            </p:nvPicPr>
+            <p:blipFill>
+              <a:blip r:embed="rId4">
+                <a:alphaModFix/>
+              </a:blip>
+              <a:stretch>
+                <a:fillRect/>
+              </a:stretch>
+            </p:blipFill>
+            <p:spPr>
+              <a:xfrm>
+                <a:off x="7550887" y="2681973"/>
+                <a:ext cx="296410" cy="300870"/>
+              </a:xfrm>
+              <a:prstGeom prst="rect">
+                <a:avLst/>
+              </a:prstGeom>
+              <a:noFill/>
+              <a:ln>
+                <a:noFill/>
+              </a:ln>
+            </p:spPr>
+          </p:pic>
+          <p:pic>
+            <p:nvPicPr>
+              <p:cNvPr id="98" name="Shape 213"/>
+              <p:cNvPicPr preferRelativeResize="0"/>
+              <p:nvPr/>
+            </p:nvPicPr>
+            <p:blipFill>
+              <a:blip r:embed="rId8">
+                <a:alphaModFix/>
+              </a:blip>
+              <a:stretch>
+                <a:fillRect/>
+              </a:stretch>
+            </p:blipFill>
+            <p:spPr>
+              <a:xfrm>
+                <a:off x="8209299" y="2681973"/>
+                <a:ext cx="322116" cy="300870"/>
+              </a:xfrm>
+              <a:prstGeom prst="rect">
+                <a:avLst/>
+              </a:prstGeom>
+              <a:noFill/>
+              <a:ln>
+                <a:noFill/>
+              </a:ln>
+            </p:spPr>
+          </p:pic>
+        </p:grpSp>
+      </p:grpSp>
+    </p:spTree>
+    <p:extLst>
+      <p:ext uri="{BB962C8B-B14F-4D97-AF65-F5344CB8AC3E}">
+        <p14:creationId xmlns:p14="http://schemas.microsoft.com/office/powerpoint/2010/main" val="243799733"/>
+      </p:ext>
+    </p:extLst>
+  </p:cSld>
+  <p:clrMapOvr>
+    <a:masterClrMapping/>
+  </p:clrMapOvr>
+</p:sld>
+</file>
+
+<file path=ppt/slides/slide4.xml><?xml version="1.0" encoding="utf-8"?>
+<p:sld xmlns:a="http://schemas.openxmlformats.org/drawingml/2006/main" xmlns:r="http://schemas.openxmlformats.org/officeDocument/2006/relationships" xmlns:p="http://schemas.openxmlformats.org/presentationml/2006/main">
+  <p:cSld>
+    <p:spTree>
+      <p:nvGrpSpPr>
+        <p:cNvPr id="1" name="Shape 249"/>
+        <p:cNvGrpSpPr/>
+        <p:nvPr/>
+      </p:nvGrpSpPr>
+      <p:grpSpPr>
+        <a:xfrm>
+          <a:off x="0" y="0"/>
+          <a:ext cx="0" cy="0"/>
+          <a:chOff x="0" y="0"/>
+          <a:chExt cx="0" cy="0"/>
+        </a:xfrm>
+      </p:grpSpPr>
+      <p:grpSp>
+        <p:nvGrpSpPr>
+          <p:cNvPr id="20" name="Group 19"/>
+          <p:cNvGrpSpPr/>
+          <p:nvPr/>
+        </p:nvGrpSpPr>
+        <p:grpSpPr>
+          <a:xfrm>
+            <a:off x="349915" y="1143531"/>
+            <a:ext cx="2031417" cy="3072594"/>
+            <a:chOff x="1412318" y="832661"/>
+            <a:chExt cx="2031417" cy="3072594"/>
+          </a:xfrm>
+        </p:grpSpPr>
+        <p:sp>
+          <p:nvSpPr>
+            <p:cNvPr id="37" name="Shape 251"/>
+            <p:cNvSpPr/>
+            <p:nvPr/>
+          </p:nvSpPr>
+          <p:spPr>
+            <a:xfrm>
+              <a:off x="1576166" y="1189187"/>
+              <a:ext cx="1291625" cy="356526"/>
+            </a:xfrm>
+            <a:prstGeom prst="roundRect">
+              <a:avLst>
+                <a:gd name="adj" fmla="val 16667"/>
+              </a:avLst>
+            </a:prstGeom>
+            <a:solidFill>
+              <a:srgbClr val="D0E0E3"/>
+            </a:solidFill>
+            <a:ln w="9525" cap="flat" cmpd="sng">
+              <a:solidFill>
+                <a:schemeClr val="dk2"/>
+              </a:solidFill>
+              <a:prstDash val="solid"/>
+              <a:round/>
+              <a:headEnd type="none" w="med" len="med"/>
+              <a:tailEnd type="none" w="med" len="med"/>
+            </a:ln>
+          </p:spPr>
+          <p:txBody>
+            <a:bodyPr spcFirstLastPara="1" wrap="square" lIns="91425" tIns="91425" rIns="91425" bIns="91425" anchor="ctr" anchorCtr="0">
+              <a:noAutofit/>
+            </a:bodyPr>
+            <a:lstStyle/>
+            <a:p>
+              <a:pPr marL="0" lvl="0" indent="0" algn="ctr">
+                <a:spcBef>
+                  <a:spcPts val="0"/>
+                </a:spcBef>
+                <a:spcAft>
+                  <a:spcPts val="0"/>
+                </a:spcAft>
+                <a:buNone/>
+              </a:pPr>
+              <a:r>
+                <a:rPr lang="en-US" sz="1600" dirty="0" smtClean="0"/>
+                <a:t>Encoding</a:t>
+              </a:r>
+              <a:endParaRPr dirty="0"/>
+            </a:p>
+          </p:txBody>
+        </p:sp>
+        <p:sp>
+          <p:nvSpPr>
+            <p:cNvPr id="38" name="Shape 254"/>
+            <p:cNvSpPr/>
+            <p:nvPr/>
+          </p:nvSpPr>
+          <p:spPr>
+            <a:xfrm>
+              <a:off x="3034738" y="1251749"/>
+              <a:ext cx="408997" cy="267221"/>
+            </a:xfrm>
+            <a:prstGeom prst="rightArrow">
+              <a:avLst>
+                <a:gd name="adj1" fmla="val 50000"/>
+                <a:gd name="adj2" fmla="val 50000"/>
+              </a:avLst>
+            </a:prstGeom>
+            <a:solidFill>
+              <a:schemeClr val="lt2"/>
+            </a:solidFill>
+            <a:ln w="9525" cap="flat" cmpd="sng">
+              <a:solidFill>
+                <a:schemeClr val="dk1"/>
+              </a:solidFill>
+              <a:prstDash val="solid"/>
+              <a:round/>
+              <a:headEnd type="none" w="med" len="med"/>
+              <a:tailEnd type="none" w="med" len="med"/>
+            </a:ln>
+          </p:spPr>
+          <p:txBody>
+            <a:bodyPr spcFirstLastPara="1" wrap="square" lIns="91425" tIns="91425" rIns="91425" bIns="91425" anchor="ctr" anchorCtr="0">
+              <a:noAutofit/>
+            </a:bodyPr>
+            <a:lstStyle/>
+            <a:p>
+              <a:pPr marL="0" lvl="0" indent="0">
+                <a:spcBef>
+                  <a:spcPts val="0"/>
+                </a:spcBef>
+                <a:spcAft>
+                  <a:spcPts val="0"/>
+                </a:spcAft>
+                <a:buNone/>
+              </a:pPr>
+              <a:endParaRPr/>
+            </a:p>
+          </p:txBody>
+        </p:sp>
+        <p:sp>
+          <p:nvSpPr>
+            <p:cNvPr id="39" name="Shape 257"/>
+            <p:cNvSpPr txBox="1"/>
+            <p:nvPr/>
+          </p:nvSpPr>
+          <p:spPr>
+            <a:xfrm>
+              <a:off x="1769943" y="832661"/>
+              <a:ext cx="843041" cy="356526"/>
+            </a:xfrm>
+            <a:prstGeom prst="rect">
+              <a:avLst/>
+            </a:prstGeom>
+            <a:noFill/>
+            <a:ln>
+              <a:noFill/>
+            </a:ln>
+          </p:spPr>
+          <p:txBody>
+            <a:bodyPr spcFirstLastPara="1" wrap="square" lIns="91425" tIns="91425" rIns="91425" bIns="91425" anchor="ctr" anchorCtr="0">
+              <a:noAutofit/>
+            </a:bodyPr>
+            <a:lstStyle/>
+            <a:p>
+              <a:pPr marL="0" lvl="0" indent="0" algn="ctr" rtl="0">
+                <a:spcBef>
+                  <a:spcPts val="0"/>
+                </a:spcBef>
+                <a:spcAft>
+                  <a:spcPts val="0"/>
+                </a:spcAft>
+                <a:buNone/>
+              </a:pPr>
+              <a:r>
+                <a:rPr lang="en" sz="1000" b="1" dirty="0"/>
+                <a:t>scan run</a:t>
+              </a:r>
+              <a:endParaRPr sz="1000" b="1" dirty="0"/>
+            </a:p>
+          </p:txBody>
+        </p:sp>
+        <p:grpSp>
+          <p:nvGrpSpPr>
+            <p:cNvPr id="7" name="Group 6"/>
+            <p:cNvGrpSpPr/>
+            <p:nvPr/>
+          </p:nvGrpSpPr>
+          <p:grpSpPr>
+            <a:xfrm>
+              <a:off x="1412318" y="2090252"/>
+              <a:ext cx="1556414" cy="1437919"/>
+              <a:chOff x="5493929" y="2593497"/>
+              <a:chExt cx="1343700" cy="1241400"/>
+            </a:xfrm>
+          </p:grpSpPr>
+          <p:sp>
+            <p:nvSpPr>
+              <p:cNvPr id="40" name="Shape 262"/>
+              <p:cNvSpPr/>
+              <p:nvPr/>
+            </p:nvSpPr>
+            <p:spPr>
+              <a:xfrm>
+                <a:off x="5493929" y="2593497"/>
+                <a:ext cx="1343700" cy="1241400"/>
+              </a:xfrm>
+              <a:prstGeom prst="rect">
+                <a:avLst/>
+              </a:prstGeom>
+              <a:solidFill>
+                <a:schemeClr val="lt2"/>
+              </a:solidFill>
+              <a:ln w="9525" cap="flat" cmpd="sng">
+                <a:solidFill>
+                  <a:schemeClr val="dk2"/>
+                </a:solidFill>
+                <a:prstDash val="solid"/>
+                <a:round/>
+                <a:headEnd type="none" w="med" len="med"/>
+                <a:tailEnd type="none" w="med" len="med"/>
+              </a:ln>
+            </p:spPr>
+            <p:txBody>
+              <a:bodyPr spcFirstLastPara="1" wrap="square" lIns="91425" tIns="91425" rIns="91425" bIns="91425" anchor="ctr" anchorCtr="0">
+                <a:noAutofit/>
+              </a:bodyPr>
+              <a:lstStyle/>
+              <a:p>
+                <a:pPr marL="0" lvl="0" indent="0" rtl="0">
+                  <a:spcBef>
+                    <a:spcPts val="0"/>
+                  </a:spcBef>
+                  <a:spcAft>
+                    <a:spcPts val="0"/>
+                  </a:spcAft>
+                  <a:buNone/>
+                </a:pPr>
+                <a:endParaRPr/>
+              </a:p>
+            </p:txBody>
+          </p:sp>
+          <p:grpSp>
+            <p:nvGrpSpPr>
+              <p:cNvPr id="6" name="Group 5"/>
+              <p:cNvGrpSpPr/>
+              <p:nvPr/>
+            </p:nvGrpSpPr>
+            <p:grpSpPr>
+              <a:xfrm>
+                <a:off x="5802678" y="2854397"/>
+                <a:ext cx="727823" cy="716101"/>
+                <a:chOff x="3803089" y="2056774"/>
+                <a:chExt cx="727823" cy="716101"/>
+              </a:xfrm>
+            </p:grpSpPr>
+            <p:pic>
+              <p:nvPicPr>
+                <p:cNvPr id="263" name="Shape 263" descr="context_004.jpg"/>
+                <p:cNvPicPr preferRelativeResize="0"/>
+                <p:nvPr/>
+              </p:nvPicPr>
+              <p:blipFill>
+                <a:blip r:embed="rId3">
+                  <a:alphaModFix/>
+                </a:blip>
+                <a:stretch>
+                  <a:fillRect/>
+                </a:stretch>
+              </p:blipFill>
+              <p:spPr>
+                <a:xfrm>
+                  <a:off x="3803089" y="2056774"/>
+                  <a:ext cx="727823" cy="716101"/>
+                </a:xfrm>
+                <a:prstGeom prst="rect">
+                  <a:avLst/>
+                </a:prstGeom>
+                <a:noFill/>
+                <a:ln w="38100" cmpd="sng">
+                  <a:solidFill>
+                    <a:schemeClr val="accent5">
+                      <a:lumMod val="60000"/>
+                      <a:lumOff val="40000"/>
+                    </a:schemeClr>
+                  </a:solidFill>
+                </a:ln>
+              </p:spPr>
+            </p:pic>
+            <p:pic>
+              <p:nvPicPr>
+                <p:cNvPr id="265" name="Shape 265" descr="item_004.jpg"/>
+                <p:cNvPicPr preferRelativeResize="0"/>
+                <p:nvPr/>
+              </p:nvPicPr>
+              <p:blipFill>
+                <a:blip r:embed="rId4">
+                  <a:alphaModFix/>
+                </a:blip>
+                <a:stretch>
+                  <a:fillRect/>
+                </a:stretch>
+              </p:blipFill>
+              <p:spPr>
+                <a:xfrm>
+                  <a:off x="4063300" y="2284899"/>
+                  <a:ext cx="255900" cy="259750"/>
+                </a:xfrm>
+                <a:prstGeom prst="rect">
+                  <a:avLst/>
+                </a:prstGeom>
+                <a:noFill/>
+                <a:ln>
+                  <a:noFill/>
+                </a:ln>
+              </p:spPr>
+            </p:pic>
+          </p:grpSp>
+        </p:grpSp>
+        <p:grpSp>
+          <p:nvGrpSpPr>
+            <p:cNvPr id="8" name="Group 7"/>
+            <p:cNvGrpSpPr/>
+            <p:nvPr/>
+          </p:nvGrpSpPr>
+          <p:grpSpPr>
+            <a:xfrm>
+              <a:off x="1579004" y="1624398"/>
+              <a:ext cx="1185123" cy="434090"/>
+              <a:chOff x="4160925" y="1696578"/>
+              <a:chExt cx="1023153" cy="374763"/>
+            </a:xfrm>
+          </p:grpSpPr>
+          <p:pic>
+            <p:nvPicPr>
+              <p:cNvPr id="42" name="Shape 274"/>
+              <p:cNvPicPr preferRelativeResize="0"/>
+              <p:nvPr/>
+            </p:nvPicPr>
+            <p:blipFill>
+              <a:blip r:embed="rId5">
+                <a:alphaModFix/>
+              </a:blip>
+              <a:stretch>
+                <a:fillRect/>
+              </a:stretch>
+            </p:blipFill>
+            <p:spPr>
+              <a:xfrm>
+                <a:off x="4160925" y="1768602"/>
+                <a:ext cx="479237" cy="230700"/>
+              </a:xfrm>
+              <a:prstGeom prst="rect">
+                <a:avLst/>
+              </a:prstGeom>
+              <a:noFill/>
+              <a:ln>
+                <a:noFill/>
+              </a:ln>
+            </p:spPr>
+          </p:pic>
+          <p:pic>
+            <p:nvPicPr>
+              <p:cNvPr id="43" name="Shape 276"/>
+              <p:cNvPicPr preferRelativeResize="0"/>
+              <p:nvPr/>
+            </p:nvPicPr>
+            <p:blipFill>
+              <a:blip r:embed="rId6">
+                <a:alphaModFix/>
+              </a:blip>
+              <a:stretch>
+                <a:fillRect/>
+              </a:stretch>
+            </p:blipFill>
+            <p:spPr>
+              <a:xfrm>
+                <a:off x="4640152" y="1696580"/>
+                <a:ext cx="304500" cy="374761"/>
+              </a:xfrm>
+              <a:prstGeom prst="rect">
+                <a:avLst/>
+              </a:prstGeom>
+              <a:noFill/>
+              <a:ln>
+                <a:noFill/>
+              </a:ln>
+            </p:spPr>
+          </p:pic>
+          <p:pic>
+            <p:nvPicPr>
+              <p:cNvPr id="44" name="Shape 278"/>
+              <p:cNvPicPr preferRelativeResize="0"/>
+              <p:nvPr/>
+            </p:nvPicPr>
+            <p:blipFill>
+              <a:blip r:embed="rId7">
+                <a:alphaModFix/>
+              </a:blip>
+              <a:stretch>
+                <a:fillRect/>
+              </a:stretch>
+            </p:blipFill>
+            <p:spPr>
+              <a:xfrm>
+                <a:off x="4974953" y="1696578"/>
+                <a:ext cx="209125" cy="347340"/>
+              </a:xfrm>
+              <a:prstGeom prst="rect">
+                <a:avLst/>
+              </a:prstGeom>
+              <a:noFill/>
+              <a:ln>
+                <a:noFill/>
+              </a:ln>
+            </p:spPr>
+          </p:pic>
+        </p:grpSp>
+        <p:sp>
+          <p:nvSpPr>
+            <p:cNvPr id="14" name="TextBox 13"/>
+            <p:cNvSpPr txBox="1"/>
+            <p:nvPr/>
+          </p:nvSpPr>
+          <p:spPr>
+            <a:xfrm>
+              <a:off x="1576166" y="3651339"/>
+              <a:ext cx="1291625" cy="253916"/>
+            </a:xfrm>
+            <a:prstGeom prst="rect">
+              <a:avLst/>
+            </a:prstGeom>
+            <a:noFill/>
+          </p:spPr>
+          <p:txBody>
+            <a:bodyPr wrap="square" rtlCol="0">
+              <a:spAutoFit/>
+            </a:bodyPr>
+            <a:lstStyle/>
+            <a:p>
+              <a:pPr algn="ctr"/>
+              <a:r>
+                <a:rPr lang="en-US" sz="1050" b="1" dirty="0" smtClean="0"/>
+                <a:t>“Intel Gathering”</a:t>
+              </a:r>
+              <a:endParaRPr lang="en-US" sz="1050" b="1" dirty="0"/>
+            </a:p>
+          </p:txBody>
+        </p:sp>
+      </p:grpSp>
+      <p:grpSp>
+        <p:nvGrpSpPr>
+          <p:cNvPr id="5" name="Group 4"/>
+          <p:cNvGrpSpPr/>
+          <p:nvPr/>
+        </p:nvGrpSpPr>
+        <p:grpSpPr>
+          <a:xfrm>
+            <a:off x="2633008" y="1150451"/>
+            <a:ext cx="6234416" cy="3065794"/>
+            <a:chOff x="2633008" y="1150451"/>
+            <a:chExt cx="6234416" cy="3065794"/>
+          </a:xfrm>
+        </p:grpSpPr>
+        <p:grpSp>
+          <p:nvGrpSpPr>
+            <p:cNvPr id="224" name="Group 223"/>
+            <p:cNvGrpSpPr/>
+            <p:nvPr/>
+          </p:nvGrpSpPr>
+          <p:grpSpPr>
+            <a:xfrm>
+              <a:off x="2633008" y="1150451"/>
+              <a:ext cx="4594950" cy="3065794"/>
+              <a:chOff x="2539482" y="863017"/>
+              <a:chExt cx="4594950" cy="3065794"/>
+            </a:xfrm>
+          </p:grpSpPr>
+          <p:grpSp>
+            <p:nvGrpSpPr>
+              <p:cNvPr id="21" name="Group 20"/>
+              <p:cNvGrpSpPr/>
+              <p:nvPr/>
+            </p:nvGrpSpPr>
+            <p:grpSpPr>
+              <a:xfrm>
+                <a:off x="2539482" y="863017"/>
+                <a:ext cx="4594950" cy="1218907"/>
+                <a:chOff x="3695411" y="839581"/>
+                <a:chExt cx="4594950" cy="1218907"/>
+              </a:xfrm>
+            </p:grpSpPr>
+            <p:sp>
+              <p:nvSpPr>
+                <p:cNvPr id="53" name="Shape 250"/>
+                <p:cNvSpPr/>
+                <p:nvPr/>
+              </p:nvSpPr>
+              <p:spPr>
+                <a:xfrm>
+                  <a:off x="3695411" y="1211169"/>
+                  <a:ext cx="4176300" cy="334543"/>
+                </a:xfrm>
+                <a:prstGeom prst="roundRect">
+                  <a:avLst>
+                    <a:gd name="adj" fmla="val 16667"/>
+                  </a:avLst>
+                </a:prstGeom>
+                <a:solidFill>
+                  <a:srgbClr val="D0E0E3"/>
+                </a:solidFill>
+                <a:ln w="9525" cap="flat" cmpd="sng">
+                  <a:solidFill>
+                    <a:schemeClr val="dk2"/>
+                  </a:solidFill>
+                  <a:prstDash val="solid"/>
+                  <a:round/>
+                  <a:headEnd type="none" w="med" len="med"/>
+                  <a:tailEnd type="none" w="med" len="med"/>
+                </a:ln>
+              </p:spPr>
+              <p:txBody>
+                <a:bodyPr spcFirstLastPara="1" wrap="square" lIns="91425" tIns="91425" rIns="91425" bIns="91425" anchor="ctr" anchorCtr="0">
+                  <a:noAutofit/>
+                </a:bodyPr>
+                <a:lstStyle/>
+                <a:p>
+                  <a:pPr marL="0" lvl="0" indent="0">
+                    <a:spcBef>
+                      <a:spcPts val="0"/>
+                    </a:spcBef>
+                    <a:spcAft>
+                      <a:spcPts val="0"/>
+                    </a:spcAft>
+                    <a:buNone/>
+                  </a:pPr>
+                  <a:r>
+                    <a:rPr lang="en-US" dirty="0" smtClean="0"/>
+                    <a:t>Item Recognition	       Emotional Retrieval</a:t>
+                  </a:r>
+                  <a:endParaRPr dirty="0"/>
+                </a:p>
+              </p:txBody>
+            </p:sp>
+            <p:sp>
+              <p:nvSpPr>
+                <p:cNvPr id="54" name="Shape 255"/>
+                <p:cNvSpPr/>
+                <p:nvPr/>
+              </p:nvSpPr>
+              <p:spPr>
+                <a:xfrm>
+                  <a:off x="5384261" y="1251748"/>
+                  <a:ext cx="353100" cy="267221"/>
+                </a:xfrm>
+                <a:prstGeom prst="rightArrow">
+                  <a:avLst>
+                    <a:gd name="adj1" fmla="val 50000"/>
+                    <a:gd name="adj2" fmla="val 50000"/>
+                  </a:avLst>
+                </a:prstGeom>
+                <a:solidFill>
+                  <a:schemeClr val="lt2"/>
+                </a:solidFill>
+                <a:ln w="9525" cap="flat" cmpd="sng">
+                  <a:solidFill>
+                    <a:schemeClr val="dk1"/>
+                  </a:solidFill>
+                  <a:prstDash val="solid"/>
+                  <a:round/>
+                  <a:headEnd type="none" w="med" len="med"/>
+                  <a:tailEnd type="none" w="med" len="med"/>
+                </a:ln>
+              </p:spPr>
+              <p:txBody>
+                <a:bodyPr spcFirstLastPara="1" wrap="square" lIns="91425" tIns="91425" rIns="91425" bIns="91425" anchor="ctr" anchorCtr="0">
+                  <a:noAutofit/>
+                </a:bodyPr>
+                <a:lstStyle/>
+                <a:p>
+                  <a:pPr marL="0" lvl="0" indent="0">
+                    <a:spcBef>
+                      <a:spcPts val="0"/>
+                    </a:spcBef>
+                    <a:spcAft>
+                      <a:spcPts val="0"/>
+                    </a:spcAft>
+                    <a:buNone/>
+                  </a:pPr>
+                  <a:endParaRPr/>
+                </a:p>
+              </p:txBody>
+            </p:sp>
+            <p:sp>
+              <p:nvSpPr>
+                <p:cNvPr id="55" name="Shape 256"/>
+                <p:cNvSpPr/>
+                <p:nvPr/>
+              </p:nvSpPr>
+              <p:spPr>
+                <a:xfrm>
+                  <a:off x="7937261" y="1251748"/>
+                  <a:ext cx="353100" cy="267221"/>
+                </a:xfrm>
+                <a:prstGeom prst="rightArrow">
+                  <a:avLst>
+                    <a:gd name="adj1" fmla="val 50000"/>
+                    <a:gd name="adj2" fmla="val 50000"/>
+                  </a:avLst>
+                </a:prstGeom>
+                <a:solidFill>
+                  <a:schemeClr val="lt2"/>
+                </a:solidFill>
+                <a:ln w="9525" cap="flat" cmpd="sng">
+                  <a:solidFill>
+                    <a:schemeClr val="dk1"/>
+                  </a:solidFill>
+                  <a:prstDash val="solid"/>
+                  <a:round/>
+                  <a:headEnd type="none" w="med" len="med"/>
+                  <a:tailEnd type="none" w="med" len="med"/>
+                </a:ln>
+              </p:spPr>
+              <p:txBody>
+                <a:bodyPr spcFirstLastPara="1" wrap="square" lIns="91425" tIns="91425" rIns="91425" bIns="91425" anchor="ctr" anchorCtr="0">
+                  <a:noAutofit/>
+                </a:bodyPr>
+                <a:lstStyle/>
+                <a:p>
+                  <a:pPr marL="0" lvl="0" indent="0">
+                    <a:spcBef>
+                      <a:spcPts val="0"/>
+                    </a:spcBef>
+                    <a:spcAft>
+                      <a:spcPts val="0"/>
+                    </a:spcAft>
+                    <a:buNone/>
+                  </a:pPr>
+                  <a:endParaRPr/>
+                </a:p>
+              </p:txBody>
+            </p:sp>
+            <p:sp>
+              <p:nvSpPr>
+                <p:cNvPr id="64" name="Shape 257"/>
+                <p:cNvSpPr txBox="1"/>
+                <p:nvPr/>
+              </p:nvSpPr>
+              <p:spPr>
+                <a:xfrm>
+                  <a:off x="5417052" y="839581"/>
+                  <a:ext cx="843041" cy="356526"/>
+                </a:xfrm>
+                <a:prstGeom prst="rect">
+                  <a:avLst/>
+                </a:prstGeom>
+                <a:noFill/>
+                <a:ln>
+                  <a:noFill/>
+                </a:ln>
+              </p:spPr>
+              <p:txBody>
+                <a:bodyPr spcFirstLastPara="1" wrap="square" lIns="91425" tIns="91425" rIns="91425" bIns="91425" anchor="ctr" anchorCtr="0">
+                  <a:noAutofit/>
+                </a:bodyPr>
+                <a:lstStyle/>
+                <a:p>
+                  <a:pPr marL="0" lvl="0" indent="0" algn="ctr" rtl="0">
+                    <a:spcBef>
+                      <a:spcPts val="0"/>
+                    </a:spcBef>
+                    <a:spcAft>
+                      <a:spcPts val="0"/>
+                    </a:spcAft>
+                    <a:buNone/>
+                  </a:pPr>
+                  <a:r>
+                    <a:rPr lang="en" sz="1000" b="1" dirty="0"/>
+                    <a:t>scan run</a:t>
+                  </a:r>
+                  <a:endParaRPr sz="1000" b="1" dirty="0"/>
+                </a:p>
+              </p:txBody>
+            </p:sp>
+            <p:grpSp>
+              <p:nvGrpSpPr>
+                <p:cNvPr id="65" name="Group 64"/>
+                <p:cNvGrpSpPr/>
+                <p:nvPr/>
+              </p:nvGrpSpPr>
+              <p:grpSpPr>
+                <a:xfrm>
+                  <a:off x="4930778" y="1624398"/>
+                  <a:ext cx="1185123" cy="434090"/>
+                  <a:chOff x="4160925" y="1696578"/>
+                  <a:chExt cx="1023153" cy="374763"/>
+                </a:xfrm>
+              </p:grpSpPr>
+              <p:pic>
+                <p:nvPicPr>
+                  <p:cNvPr id="66" name="Shape 274"/>
+                  <p:cNvPicPr preferRelativeResize="0"/>
+                  <p:nvPr/>
+                </p:nvPicPr>
+                <p:blipFill>
+                  <a:blip r:embed="rId5">
+                    <a:alphaModFix/>
+                  </a:blip>
+                  <a:stretch>
+                    <a:fillRect/>
+                  </a:stretch>
+                </p:blipFill>
+                <p:spPr>
+                  <a:xfrm>
+                    <a:off x="4160925" y="1768602"/>
+                    <a:ext cx="479237" cy="230700"/>
+                  </a:xfrm>
+                  <a:prstGeom prst="rect">
+                    <a:avLst/>
+                  </a:prstGeom>
+                  <a:noFill/>
+                  <a:ln>
+                    <a:noFill/>
+                  </a:ln>
+                </p:spPr>
+              </p:pic>
+              <p:pic>
+                <p:nvPicPr>
+                  <p:cNvPr id="67" name="Shape 276"/>
+                  <p:cNvPicPr preferRelativeResize="0"/>
+                  <p:nvPr/>
+                </p:nvPicPr>
+                <p:blipFill>
+                  <a:blip r:embed="rId6">
+                    <a:alphaModFix/>
+                  </a:blip>
+                  <a:stretch>
+                    <a:fillRect/>
+                  </a:stretch>
+                </p:blipFill>
+                <p:spPr>
+                  <a:xfrm>
+                    <a:off x="4640152" y="1696580"/>
+                    <a:ext cx="304500" cy="374761"/>
+                  </a:xfrm>
+                  <a:prstGeom prst="rect">
+                    <a:avLst/>
+                  </a:prstGeom>
+                  <a:noFill/>
+                  <a:ln>
+                    <a:noFill/>
+                  </a:ln>
+                </p:spPr>
+              </p:pic>
+              <p:pic>
+                <p:nvPicPr>
+                  <p:cNvPr id="68" name="Shape 278"/>
+                  <p:cNvPicPr preferRelativeResize="0"/>
+                  <p:nvPr/>
+                </p:nvPicPr>
+                <p:blipFill>
+                  <a:blip r:embed="rId7">
+                    <a:alphaModFix/>
+                  </a:blip>
+                  <a:stretch>
+                    <a:fillRect/>
+                  </a:stretch>
+                </p:blipFill>
+                <p:spPr>
+                  <a:xfrm>
+                    <a:off x="4974953" y="1696578"/>
+                    <a:ext cx="209125" cy="347340"/>
+                  </a:xfrm>
+                  <a:prstGeom prst="rect">
+                    <a:avLst/>
+                  </a:prstGeom>
+                  <a:noFill/>
+                  <a:ln>
+                    <a:noFill/>
+                  </a:ln>
+                </p:spPr>
+              </p:pic>
+            </p:grpSp>
+          </p:grpSp>
+          <p:grpSp>
+            <p:nvGrpSpPr>
+              <p:cNvPr id="19" name="Group 18"/>
+              <p:cNvGrpSpPr/>
+              <p:nvPr/>
+            </p:nvGrpSpPr>
+            <p:grpSpPr>
+              <a:xfrm>
+                <a:off x="2539482" y="2113688"/>
+                <a:ext cx="1556414" cy="1815123"/>
+                <a:chOff x="3827847" y="2090132"/>
+                <a:chExt cx="1556414" cy="1815123"/>
+              </a:xfrm>
+            </p:grpSpPr>
+            <p:sp>
+              <p:nvSpPr>
+                <p:cNvPr id="70" name="Shape 262"/>
+                <p:cNvSpPr/>
+                <p:nvPr/>
+              </p:nvSpPr>
+              <p:spPr>
+                <a:xfrm>
+                  <a:off x="3827847" y="2090132"/>
+                  <a:ext cx="1556414" cy="1437919"/>
+                </a:xfrm>
+                <a:prstGeom prst="rect">
+                  <a:avLst/>
+                </a:prstGeom>
+                <a:solidFill>
+                  <a:schemeClr val="lt2"/>
+                </a:solidFill>
+                <a:ln w="9525" cap="flat" cmpd="sng">
+                  <a:solidFill>
+                    <a:schemeClr val="dk2"/>
+                  </a:solidFill>
+                  <a:prstDash val="solid"/>
+                  <a:round/>
+                  <a:headEnd type="none" w="med" len="med"/>
+                  <a:tailEnd type="none" w="med" len="med"/>
+                </a:ln>
+              </p:spPr>
+              <p:txBody>
+                <a:bodyPr spcFirstLastPara="1" wrap="square" lIns="91425" tIns="91425" rIns="91425" bIns="91425" anchor="ctr" anchorCtr="0">
+                  <a:noAutofit/>
+                </a:bodyPr>
+                <a:lstStyle/>
+                <a:p>
+                  <a:pPr marL="0" lvl="0" indent="0" rtl="0">
+                    <a:spcBef>
+                      <a:spcPts val="0"/>
+                    </a:spcBef>
+                    <a:spcAft>
+                      <a:spcPts val="0"/>
+                    </a:spcAft>
+                    <a:buNone/>
+                  </a:pPr>
+                  <a:endParaRPr/>
+                </a:p>
+              </p:txBody>
+            </p:sp>
+            <p:pic>
+              <p:nvPicPr>
+                <p:cNvPr id="73" name="Shape 265" descr="item_004.jpg"/>
+                <p:cNvPicPr preferRelativeResize="0"/>
+                <p:nvPr/>
+              </p:nvPicPr>
+              <p:blipFill>
+                <a:blip r:embed="rId4">
+                  <a:alphaModFix/>
+                </a:blip>
+                <a:stretch>
+                  <a:fillRect/>
+                </a:stretch>
+              </p:blipFill>
+              <p:spPr>
+                <a:xfrm>
+                  <a:off x="4486876" y="2656572"/>
+                  <a:ext cx="296410" cy="300870"/>
+                </a:xfrm>
+                <a:prstGeom prst="rect">
+                  <a:avLst/>
+                </a:prstGeom>
+                <a:noFill/>
+                <a:ln>
+                  <a:noFill/>
+                </a:ln>
+              </p:spPr>
+            </p:pic>
+            <p:sp>
+              <p:nvSpPr>
+                <p:cNvPr id="59" name="Shape 268"/>
+                <p:cNvSpPr txBox="1"/>
+                <p:nvPr/>
+              </p:nvSpPr>
+              <p:spPr>
+                <a:xfrm>
+                  <a:off x="3827847" y="3221917"/>
+                  <a:ext cx="1556414" cy="318856"/>
+                </a:xfrm>
+                <a:prstGeom prst="rect">
+                  <a:avLst/>
+                </a:prstGeom>
+                <a:noFill/>
+                <a:ln>
+                  <a:noFill/>
+                </a:ln>
+              </p:spPr>
+              <p:txBody>
+                <a:bodyPr spcFirstLastPara="1" wrap="square" lIns="91425" tIns="91425" rIns="91425" bIns="91425" anchor="ctr" anchorCtr="0">
+                  <a:noAutofit/>
+                </a:bodyPr>
+                <a:lstStyle/>
+                <a:p>
+                  <a:pPr marL="0" lvl="0" indent="0" algn="ctr" rtl="0">
+                    <a:lnSpc>
+                      <a:spcPct val="115000"/>
+                    </a:lnSpc>
+                    <a:spcBef>
+                      <a:spcPts val="0"/>
+                    </a:spcBef>
+                    <a:spcAft>
+                      <a:spcPts val="0"/>
+                    </a:spcAft>
+                    <a:buNone/>
+                  </a:pPr>
+                  <a:r>
+                    <a:rPr lang="en" sz="600" dirty="0">
+                      <a:solidFill>
+                        <a:schemeClr val="dk1"/>
+                      </a:solidFill>
+                    </a:rPr>
+                    <a:t>def old | prob old | prob new | def new</a:t>
+                  </a:r>
+                  <a:endParaRPr sz="600" dirty="0">
+                    <a:solidFill>
+                      <a:schemeClr val="dk1"/>
+                    </a:solidFill>
+                  </a:endParaRPr>
+                </a:p>
+                <a:p>
+                  <a:pPr marL="0" lvl="0" indent="0" rtl="0">
+                    <a:lnSpc>
+                      <a:spcPct val="115000"/>
+                    </a:lnSpc>
+                    <a:spcBef>
+                      <a:spcPts val="0"/>
+                    </a:spcBef>
+                    <a:spcAft>
+                      <a:spcPts val="0"/>
+                    </a:spcAft>
+                    <a:buNone/>
+                  </a:pPr>
+                  <a:r>
+                    <a:rPr lang="en" sz="600" dirty="0">
+                      <a:solidFill>
+                        <a:schemeClr val="dk1"/>
+                      </a:solidFill>
+                    </a:rPr>
+                    <a:t>         1            2               3               4</a:t>
+                  </a:r>
+                  <a:endParaRPr sz="600" dirty="0">
+                    <a:solidFill>
+                      <a:schemeClr val="dk1"/>
+                    </a:solidFill>
+                  </a:endParaRPr>
+                </a:p>
+              </p:txBody>
+            </p:sp>
+            <p:sp>
+              <p:nvSpPr>
+                <p:cNvPr id="87" name="TextBox 86"/>
+                <p:cNvSpPr txBox="1"/>
+                <p:nvPr/>
+              </p:nvSpPr>
+              <p:spPr>
+                <a:xfrm>
+                  <a:off x="3991671" y="3651339"/>
+                  <a:ext cx="1291625" cy="253916"/>
+                </a:xfrm>
+                <a:prstGeom prst="rect">
+                  <a:avLst/>
+                </a:prstGeom>
+                <a:noFill/>
+              </p:spPr>
+              <p:txBody>
+                <a:bodyPr wrap="square" rtlCol="0">
+                  <a:spAutoFit/>
+                </a:bodyPr>
+                <a:lstStyle/>
+                <a:p>
+                  <a:pPr algn="ctr"/>
+                  <a:r>
+                    <a:rPr lang="en-US" sz="1050" b="1" dirty="0" smtClean="0"/>
+                    <a:t>“Object ID Test”</a:t>
+                  </a:r>
+                  <a:endParaRPr lang="en-US" sz="1050" b="1" dirty="0"/>
+                </a:p>
+              </p:txBody>
+            </p:sp>
+          </p:grpSp>
+          <p:grpSp>
+            <p:nvGrpSpPr>
+              <p:cNvPr id="31" name="Group 30"/>
+              <p:cNvGrpSpPr/>
+              <p:nvPr/>
+            </p:nvGrpSpPr>
+            <p:grpSpPr>
+              <a:xfrm>
+                <a:off x="4826402" y="2113568"/>
+                <a:ext cx="1556414" cy="1815123"/>
+                <a:chOff x="4826402" y="2113568"/>
+                <a:chExt cx="1556414" cy="1815123"/>
+              </a:xfrm>
+            </p:grpSpPr>
+            <p:sp>
+              <p:nvSpPr>
+                <p:cNvPr id="82" name="Shape 262"/>
+                <p:cNvSpPr/>
+                <p:nvPr/>
+              </p:nvSpPr>
+              <p:spPr>
+                <a:xfrm>
+                  <a:off x="4826402" y="2113568"/>
+                  <a:ext cx="1556414" cy="1437919"/>
+                </a:xfrm>
+                <a:prstGeom prst="rect">
+                  <a:avLst/>
+                </a:prstGeom>
+                <a:solidFill>
+                  <a:schemeClr val="lt2"/>
+                </a:solidFill>
+                <a:ln w="9525" cap="flat" cmpd="sng">
+                  <a:solidFill>
+                    <a:schemeClr val="dk2"/>
+                  </a:solidFill>
+                  <a:prstDash val="solid"/>
+                  <a:round/>
+                  <a:headEnd type="none" w="med" len="med"/>
+                  <a:tailEnd type="none" w="med" len="med"/>
+                </a:ln>
+              </p:spPr>
+              <p:txBody>
+                <a:bodyPr spcFirstLastPara="1" wrap="square" lIns="91425" tIns="91425" rIns="91425" bIns="91425" anchor="ctr" anchorCtr="0">
+                  <a:noAutofit/>
+                </a:bodyPr>
+                <a:lstStyle/>
+                <a:p>
+                  <a:pPr marL="0" lvl="0" indent="0" rtl="0">
+                    <a:spcBef>
+                      <a:spcPts val="0"/>
+                    </a:spcBef>
+                    <a:spcAft>
+                      <a:spcPts val="0"/>
+                    </a:spcAft>
+                    <a:buNone/>
+                  </a:pPr>
+                  <a:endParaRPr/>
+                </a:p>
+              </p:txBody>
+            </p:sp>
+            <p:grpSp>
+              <p:nvGrpSpPr>
+                <p:cNvPr id="83" name="Group 82"/>
+                <p:cNvGrpSpPr/>
+                <p:nvPr/>
+              </p:nvGrpSpPr>
+              <p:grpSpPr>
+                <a:xfrm>
+                  <a:off x="5184027" y="2415770"/>
+                  <a:ext cx="843041" cy="829463"/>
+                  <a:chOff x="3803089" y="2056774"/>
+                  <a:chExt cx="727823" cy="716101"/>
+                </a:xfrm>
+              </p:grpSpPr>
+              <p:pic>
+                <p:nvPicPr>
+                  <p:cNvPr id="84" name="Shape 263" descr="context_004.jpg"/>
+                  <p:cNvPicPr preferRelativeResize="0"/>
+                  <p:nvPr/>
+                </p:nvPicPr>
+                <p:blipFill>
+                  <a:blip r:embed="rId3">
+                    <a:alphaModFix/>
+                  </a:blip>
+                  <a:stretch>
+                    <a:fillRect/>
+                  </a:stretch>
+                </p:blipFill>
+                <p:spPr>
+                  <a:xfrm>
+                    <a:off x="3803089" y="2056774"/>
+                    <a:ext cx="727823" cy="716101"/>
+                  </a:xfrm>
+                  <a:prstGeom prst="rect">
+                    <a:avLst/>
+                  </a:prstGeom>
+                  <a:noFill/>
+                  <a:ln w="38100" cmpd="sng">
+                    <a:noFill/>
+                  </a:ln>
+                </p:spPr>
+              </p:pic>
+              <p:pic>
+                <p:nvPicPr>
+                  <p:cNvPr id="85" name="Shape 265" descr="item_004.jpg"/>
+                  <p:cNvPicPr preferRelativeResize="0"/>
+                  <p:nvPr/>
+                </p:nvPicPr>
+                <p:blipFill>
+                  <a:blip r:embed="rId4">
+                    <a:alphaModFix/>
+                  </a:blip>
+                  <a:stretch>
+                    <a:fillRect/>
+                  </a:stretch>
+                </p:blipFill>
+                <p:spPr>
+                  <a:xfrm>
+                    <a:off x="4063300" y="2284899"/>
+                    <a:ext cx="255900" cy="259750"/>
+                  </a:xfrm>
+                  <a:prstGeom prst="rect">
+                    <a:avLst/>
+                  </a:prstGeom>
+                  <a:noFill/>
+                  <a:ln>
+                    <a:noFill/>
+                  </a:ln>
+                </p:spPr>
+              </p:pic>
+            </p:grpSp>
+            <p:sp>
+              <p:nvSpPr>
+                <p:cNvPr id="86" name="Shape 272"/>
+                <p:cNvSpPr txBox="1"/>
+                <p:nvPr/>
+              </p:nvSpPr>
+              <p:spPr>
+                <a:xfrm>
+                  <a:off x="4826402" y="3245353"/>
+                  <a:ext cx="1556414" cy="306134"/>
+                </a:xfrm>
+                <a:prstGeom prst="rect">
+                  <a:avLst/>
+                </a:prstGeom>
+                <a:noFill/>
+                <a:ln>
+                  <a:noFill/>
+                </a:ln>
+              </p:spPr>
+              <p:txBody>
+                <a:bodyPr spcFirstLastPara="1" wrap="square" lIns="0" tIns="45720" rIns="0" bIns="91425" anchor="t" anchorCtr="0">
+                  <a:noAutofit/>
+                </a:bodyPr>
+                <a:lstStyle/>
+                <a:p>
+                  <a:pPr marL="0" lvl="0" indent="0" algn="ctr" rtl="0">
+                    <a:lnSpc>
+                      <a:spcPct val="115000"/>
+                    </a:lnSpc>
+                    <a:spcBef>
+                      <a:spcPts val="0"/>
+                    </a:spcBef>
+                    <a:spcAft>
+                      <a:spcPts val="0"/>
+                    </a:spcAft>
+                    <a:buNone/>
+                  </a:pPr>
+                  <a:r>
+                    <a:rPr lang="en" sz="600" dirty="0"/>
+                    <a:t>def startle prob startle  def safe prob safe</a:t>
+                  </a:r>
+                  <a:endParaRPr sz="600" dirty="0"/>
+                </a:p>
+                <a:p>
+                  <a:pPr marL="0" lvl="0" indent="0" algn="ctr" rtl="0">
+                    <a:lnSpc>
+                      <a:spcPct val="115000"/>
+                    </a:lnSpc>
+                    <a:spcBef>
+                      <a:spcPts val="0"/>
+                    </a:spcBef>
+                    <a:spcAft>
+                      <a:spcPts val="0"/>
+                    </a:spcAft>
+                    <a:buNone/>
+                  </a:pPr>
+                  <a:r>
+                    <a:rPr lang="en" sz="600" dirty="0"/>
+                    <a:t>        1              2                 3            4</a:t>
+                  </a:r>
+                  <a:endParaRPr sz="600" dirty="0"/>
+                </a:p>
+              </p:txBody>
+            </p:sp>
+            <p:sp>
+              <p:nvSpPr>
+                <p:cNvPr id="88" name="TextBox 87"/>
+                <p:cNvSpPr txBox="1"/>
+                <p:nvPr/>
+              </p:nvSpPr>
+              <p:spPr>
+                <a:xfrm>
+                  <a:off x="4962064" y="3674775"/>
+                  <a:ext cx="1291625" cy="253916"/>
+                </a:xfrm>
+                <a:prstGeom prst="rect">
+                  <a:avLst/>
+                </a:prstGeom>
+                <a:noFill/>
+              </p:spPr>
+              <p:txBody>
+                <a:bodyPr wrap="square" rtlCol="0">
+                  <a:spAutoFit/>
+                </a:bodyPr>
+                <a:lstStyle/>
+                <a:p>
+                  <a:pPr algn="ctr"/>
+                  <a:r>
+                    <a:rPr lang="en-US" sz="1050" b="1" dirty="0" smtClean="0"/>
+                    <a:t>“Bomb Report”</a:t>
+                  </a:r>
+                  <a:endParaRPr lang="en-US" sz="1050" b="1" dirty="0"/>
+                </a:p>
+              </p:txBody>
+            </p:sp>
+          </p:grpSp>
+        </p:grpSp>
+        <p:grpSp>
+          <p:nvGrpSpPr>
+            <p:cNvPr id="225" name="Group 224"/>
+            <p:cNvGrpSpPr/>
+            <p:nvPr/>
+          </p:nvGrpSpPr>
+          <p:grpSpPr>
+            <a:xfrm>
+              <a:off x="7311010" y="1527252"/>
+              <a:ext cx="1556414" cy="2324511"/>
+              <a:chOff x="7217484" y="1239818"/>
+              <a:chExt cx="1556414" cy="2324511"/>
+            </a:xfrm>
+          </p:grpSpPr>
+          <p:sp>
+            <p:nvSpPr>
+              <p:cNvPr id="95" name="Shape 262"/>
+              <p:cNvSpPr/>
+              <p:nvPr/>
+            </p:nvSpPr>
+            <p:spPr>
+              <a:xfrm>
+                <a:off x="7217484" y="2126410"/>
+                <a:ext cx="1556414" cy="1437919"/>
+              </a:xfrm>
+              <a:prstGeom prst="rect">
+                <a:avLst/>
+              </a:prstGeom>
+              <a:solidFill>
+                <a:schemeClr val="lt2"/>
+              </a:solidFill>
+              <a:ln w="9525" cap="flat" cmpd="sng">
+                <a:solidFill>
+                  <a:schemeClr val="dk2"/>
+                </a:solidFill>
+                <a:prstDash val="solid"/>
+                <a:round/>
+                <a:headEnd type="none" w="med" len="med"/>
+                <a:tailEnd type="none" w="med" len="med"/>
+              </a:ln>
+            </p:spPr>
+            <p:txBody>
+              <a:bodyPr spcFirstLastPara="1" wrap="square" lIns="91425" tIns="91425" rIns="91425" bIns="91425" anchor="ctr" anchorCtr="0">
+                <a:noAutofit/>
+              </a:bodyPr>
+              <a:lstStyle/>
+              <a:p>
+                <a:pPr marL="0" lvl="0" indent="0" rtl="0">
+                  <a:spcBef>
+                    <a:spcPts val="0"/>
+                  </a:spcBef>
+                  <a:spcAft>
+                    <a:spcPts val="0"/>
+                  </a:spcAft>
+                  <a:buNone/>
+                </a:pPr>
+                <a:endParaRPr/>
+              </a:p>
+            </p:txBody>
+          </p:sp>
+          <p:sp>
+            <p:nvSpPr>
+              <p:cNvPr id="96" name="Shape 257"/>
+              <p:cNvSpPr txBox="1"/>
+              <p:nvPr/>
+            </p:nvSpPr>
+            <p:spPr>
+              <a:xfrm>
+                <a:off x="7351019" y="1239818"/>
+                <a:ext cx="1294365" cy="329331"/>
+              </a:xfrm>
+              <a:prstGeom prst="rect">
+                <a:avLst/>
+              </a:prstGeom>
+              <a:noFill/>
+              <a:ln>
+                <a:noFill/>
+              </a:ln>
+            </p:spPr>
+            <p:txBody>
+              <a:bodyPr spcFirstLastPara="1" wrap="square" lIns="91425" tIns="91425" rIns="91425" bIns="91425" anchor="ctr" anchorCtr="0">
+                <a:noAutofit/>
+              </a:bodyPr>
+              <a:lstStyle/>
+              <a:p>
+                <a:pPr marL="0" lvl="0" indent="0" algn="ctr" rtl="0">
+                  <a:spcBef>
+                    <a:spcPts val="0"/>
+                  </a:spcBef>
+                  <a:spcAft>
+                    <a:spcPts val="0"/>
+                  </a:spcAft>
+                  <a:buNone/>
+                </a:pPr>
+                <a:r>
+                  <a:rPr lang="en-US" b="1" dirty="0" smtClean="0"/>
+                  <a:t>Find Task</a:t>
+                </a:r>
+                <a:endParaRPr b="1" dirty="0"/>
+              </a:p>
+            </p:txBody>
+          </p:sp>
+          <p:pic>
+            <p:nvPicPr>
+              <p:cNvPr id="97" name="Shape 265" descr="item_004.jpg"/>
+              <p:cNvPicPr preferRelativeResize="0"/>
+              <p:nvPr/>
+            </p:nvPicPr>
+            <p:blipFill>
+              <a:blip r:embed="rId4">
+                <a:alphaModFix/>
+              </a:blip>
+              <a:stretch>
+                <a:fillRect/>
+              </a:stretch>
+            </p:blipFill>
+            <p:spPr>
+              <a:xfrm>
+                <a:off x="7550887" y="2681973"/>
+                <a:ext cx="296410" cy="300870"/>
+              </a:xfrm>
+              <a:prstGeom prst="rect">
+                <a:avLst/>
+              </a:prstGeom>
+              <a:noFill/>
+              <a:ln>
+                <a:noFill/>
+              </a:ln>
+            </p:spPr>
+          </p:pic>
+          <p:pic>
+            <p:nvPicPr>
+              <p:cNvPr id="98" name="Shape 213"/>
+              <p:cNvPicPr preferRelativeResize="0"/>
+              <p:nvPr/>
+            </p:nvPicPr>
+            <p:blipFill>
+              <a:blip r:embed="rId8">
+                <a:alphaModFix/>
+              </a:blip>
+              <a:stretch>
+                <a:fillRect/>
+              </a:stretch>
+            </p:blipFill>
+            <p:spPr>
+              <a:xfrm>
+                <a:off x="8209299" y="2681973"/>
+                <a:ext cx="322116" cy="300870"/>
+              </a:xfrm>
+              <a:prstGeom prst="rect">
+                <a:avLst/>
+              </a:prstGeom>
+              <a:noFill/>
+              <a:ln>
+                <a:noFill/>
+              </a:ln>
+            </p:spPr>
+          </p:pic>
+        </p:grpSp>
+      </p:grpSp>
+      <p:sp>
+        <p:nvSpPr>
+          <p:cNvPr id="45" name="Shape 194"/>
+          <p:cNvSpPr/>
+          <p:nvPr/>
+        </p:nvSpPr>
+        <p:spPr>
+          <a:xfrm>
+            <a:off x="105828" y="1056229"/>
+            <a:ext cx="2275503" cy="3608948"/>
+          </a:xfrm>
+          <a:prstGeom prst="ellipse">
+            <a:avLst/>
+          </a:prstGeom>
+          <a:noFill/>
+          <a:ln w="76200" cap="flat" cmpd="sng">
+            <a:solidFill>
+              <a:srgbClr val="980000"/>
+            </a:solidFill>
+            <a:prstDash val="solid"/>
+            <a:round/>
+            <a:headEnd type="none" w="med" len="med"/>
+            <a:tailEnd type="none" w="med" len="med"/>
+          </a:ln>
+        </p:spPr>
+        <p:txBody>
+          <a:bodyPr spcFirstLastPara="1" wrap="square" lIns="91425" tIns="91425" rIns="91425" bIns="91425" anchor="ctr" anchorCtr="0">
+            <a:noAutofit/>
+          </a:bodyPr>
+          <a:lstStyle/>
+          <a:p>
+            <a:pPr marL="0" lvl="0" indent="0">
+              <a:spcBef>
+                <a:spcPts val="0"/>
+              </a:spcBef>
+              <a:spcAft>
+                <a:spcPts val="0"/>
+              </a:spcAft>
+              <a:buNone/>
+            </a:pPr>
+            <a:endParaRPr/>
+          </a:p>
+        </p:txBody>
+      </p:sp>
+    </p:spTree>
+    <p:extLst>
+      <p:ext uri="{BB962C8B-B14F-4D97-AF65-F5344CB8AC3E}">
+        <p14:creationId xmlns:p14="http://schemas.microsoft.com/office/powerpoint/2010/main" val="2482294991"/>
+      </p:ext>
+    </p:extLst>
   </p:cSld>
   <p:clrMapOvr>
     <a:masterClrMapping/>
